--- a/doc/presentation.pptx
+++ b/doc/presentation.pptx
@@ -141,6 +141,9 @@
           </p14:sldIdLst>
         </p14:section>
       </p14:sectionLst>
+    </p:ext>
+    <p:ext uri="{EFAFB233-063F-42B5-8137-9DF3F51BA10A}">
+      <p15:sldGuideLst xmlns:p15="http://schemas.microsoft.com/office/powerpoint/2012/main"/>
     </p:ext>
   </p:extLst>
 </p:presentation>
@@ -6921,7 +6924,7 @@
         </p:nvSpPr>
         <p:spPr>
           <a:xfrm>
-            <a:off x="2089404" y="3879665"/>
+            <a:off x="1173480" y="4088386"/>
             <a:ext cx="7891272" cy="1815455"/>
           </a:xfrm>
         </p:spPr>
@@ -6931,96 +6934,100 @@
           </a:bodyPr>
           <a:lstStyle/>
           <a:p>
+            <a:pPr algn="l"/>
             <a:r>
               <a:rPr lang="en-US" dirty="0">
                 <a:solidFill>
-                  <a:schemeClr val="accent5">
+                  <a:schemeClr val="accent2">
                     <a:lumMod val="50000"/>
                   </a:schemeClr>
                 </a:solidFill>
-                <a:latin typeface="Comic Sans MS" panose="030F0702030302020204" pitchFamily="66" charset="0"/>
+                <a:latin typeface="Bookman Old Style" panose="02050604050505020204" pitchFamily="18" charset="0"/>
               </a:rPr>
               <a:t>Group 8 :</a:t>
             </a:r>
           </a:p>
           <a:p>
+            <a:pPr algn="l"/>
             <a:r>
               <a:rPr lang="en-US" dirty="0" err="1">
                 <a:solidFill>
-                  <a:schemeClr val="accent5">
+                  <a:schemeClr val="accent2">
                     <a:lumMod val="50000"/>
                   </a:schemeClr>
                 </a:solidFill>
-                <a:latin typeface="Comic Sans MS" panose="030F0702030302020204" pitchFamily="66" charset="0"/>
+                <a:latin typeface="Bookman Old Style" panose="02050604050505020204" pitchFamily="18" charset="0"/>
               </a:rPr>
               <a:t>Jingtian</a:t>
             </a:r>
             <a:r>
               <a:rPr lang="en-US" dirty="0">
                 <a:solidFill>
-                  <a:schemeClr val="accent5">
+                  <a:schemeClr val="accent2">
                     <a:lumMod val="50000"/>
                   </a:schemeClr>
                 </a:solidFill>
-                <a:latin typeface="Comic Sans MS" panose="030F0702030302020204" pitchFamily="66" charset="0"/>
+                <a:latin typeface="Bookman Old Style" panose="02050604050505020204" pitchFamily="18" charset="0"/>
               </a:rPr>
               <a:t> Yao</a:t>
             </a:r>
           </a:p>
           <a:p>
+            <a:pPr algn="l"/>
             <a:r>
               <a:rPr lang="en-US" dirty="0" err="1">
                 <a:solidFill>
-                  <a:schemeClr val="accent5">
+                  <a:schemeClr val="accent2">
                     <a:lumMod val="50000"/>
                   </a:schemeClr>
                 </a:solidFill>
-                <a:latin typeface="Comic Sans MS" panose="030F0702030302020204" pitchFamily="66" charset="0"/>
+                <a:latin typeface="Bookman Old Style" panose="02050604050505020204" pitchFamily="18" charset="0"/>
               </a:rPr>
               <a:t>Chenfei</a:t>
             </a:r>
             <a:r>
               <a:rPr lang="en-US" dirty="0">
                 <a:solidFill>
-                  <a:schemeClr val="accent5">
+                  <a:schemeClr val="accent2">
                     <a:lumMod val="50000"/>
                   </a:schemeClr>
                 </a:solidFill>
-                <a:latin typeface="Comic Sans MS" panose="030F0702030302020204" pitchFamily="66" charset="0"/>
+                <a:latin typeface="Bookman Old Style" panose="02050604050505020204" pitchFamily="18" charset="0"/>
               </a:rPr>
               <a:t> Jiang</a:t>
             </a:r>
           </a:p>
           <a:p>
+            <a:pPr algn="l"/>
             <a:r>
               <a:rPr lang="en-US" dirty="0">
                 <a:solidFill>
-                  <a:schemeClr val="accent5">
+                  <a:schemeClr val="accent2">
                     <a:lumMod val="50000"/>
                   </a:schemeClr>
                 </a:solidFill>
-                <a:latin typeface="Comic Sans MS" panose="030F0702030302020204" pitchFamily="66" charset="0"/>
+                <a:latin typeface="Bookman Old Style" panose="02050604050505020204" pitchFamily="18" charset="0"/>
               </a:rPr>
               <a:t>Michael </a:t>
             </a:r>
             <a:r>
               <a:rPr lang="en-US" dirty="0" err="1">
                 <a:solidFill>
-                  <a:schemeClr val="accent5">
+                  <a:schemeClr val="accent2">
                     <a:lumMod val="50000"/>
                   </a:schemeClr>
                 </a:solidFill>
-                <a:latin typeface="Comic Sans MS" panose="030F0702030302020204" pitchFamily="66" charset="0"/>
+                <a:latin typeface="Bookman Old Style" panose="02050604050505020204" pitchFamily="18" charset="0"/>
               </a:rPr>
               <a:t>Utomo</a:t>
             </a:r>
             <a:endParaRPr lang="en-US" dirty="0">
               <a:solidFill>
-                <a:schemeClr val="accent5">
+                <a:schemeClr val="accent2">
                   <a:lumMod val="50000"/>
                 </a:schemeClr>
               </a:solidFill>
-              <a:latin typeface="Comic Sans MS" panose="030F0702030302020204" pitchFamily="66" charset="0"/>
+              <a:latin typeface="Bookman Old Style" panose="02050604050505020204" pitchFamily="18" charset="0"/>
             </a:endParaRPr>
           </a:p>
         </p:txBody>
@@ -7160,7 +7167,7 @@
             <p:ph idx="1"/>
             <p:extLst>
               <p:ext uri="{D42A27DB-BD31-4B8C-83A1-F6EECF244321}">
-                <p14:modId xmlns:p14="http://schemas.microsoft.com/office/powerpoint/2010/main" val="3165150375"/>
+                <p14:modId xmlns:p14="http://schemas.microsoft.com/office/powerpoint/2010/main" val="2066688170"/>
               </p:ext>
             </p:extLst>
           </p:nvPr>
@@ -7282,7 +7289,10 @@
                     <a:lstStyle/>
                     <a:p>
                       <a:pPr algn="ctr"/>
-                      <a:endParaRPr lang="en-US" dirty="0"/>
+                      <a:r>
+                        <a:rPr lang="en-US" dirty="0"/>
+                        <a:t>28.75s</a:t>
+                      </a:r>
                     </a:p>
                   </a:txBody>
                   <a:tcPr/>
@@ -7328,7 +7338,10 @@
                     <a:lstStyle/>
                     <a:p>
                       <a:pPr algn="ctr"/>
-                      <a:endParaRPr lang="en-US" dirty="0"/>
+                      <a:r>
+                        <a:rPr lang="en-US" dirty="0"/>
+                        <a:t>3.07s</a:t>
+                      </a:r>
                     </a:p>
                   </a:txBody>
                   <a:tcPr/>
@@ -7379,7 +7392,14 @@
                     <a:lstStyle/>
                     <a:p>
                       <a:pPr algn="ctr"/>
-                      <a:endParaRPr lang="en-US" dirty="0"/>
+                      <a:r>
+                        <a:rPr lang="en-US" dirty="0">
+                          <a:solidFill>
+                            <a:srgbClr val="C00000"/>
+                          </a:solidFill>
+                        </a:rPr>
+                        <a:t>0.05s</a:t>
+                      </a:r>
                     </a:p>
                   </a:txBody>
                   <a:tcPr/>
@@ -22645,9 +22665,6 @@
             <a:endParaRPr lang="en-US" sz="2800" dirty="0"/>
           </a:p>
           <a:p>
-            <a:pPr marL="0" indent="0">
-              <a:buNone/>
-            </a:pPr>
             <a:r>
               <a:rPr lang="en-US" sz="2800" dirty="0"/>
               <a:t>Best parameters: </a:t>

--- a/doc/presentation.pptx
+++ b/doc/presentation.pptx
@@ -7167,7 +7167,7 @@
             <p:ph idx="1"/>
             <p:extLst>
               <p:ext uri="{D42A27DB-BD31-4B8C-83A1-F6EECF244321}">
-                <p14:modId xmlns:p14="http://schemas.microsoft.com/office/powerpoint/2010/main" val="2066688170"/>
+                <p14:modId xmlns:p14="http://schemas.microsoft.com/office/powerpoint/2010/main" val="1604869006"/>
               </p:ext>
             </p:extLst>
           </p:nvPr>
@@ -7380,8 +7380,21 @@
                             <a:srgbClr val="C00000"/>
                           </a:solidFill>
                         </a:rPr>
-                        <a:t>0.822</a:t>
+                        <a:t>0.8</a:t>
                       </a:r>
+                      <a:r>
+                        <a:rPr lang="en-US" altLang="zh-CN" dirty="0">
+                          <a:solidFill>
+                            <a:srgbClr val="C00000"/>
+                          </a:solidFill>
+                        </a:rPr>
+                        <a:t>78</a:t>
+                      </a:r>
+                      <a:endParaRPr lang="en-US" dirty="0">
+                        <a:solidFill>
+                          <a:srgbClr val="C00000"/>
+                        </a:solidFill>
+                      </a:endParaRPr>
                     </a:p>
                   </a:txBody>
                   <a:tcPr/>
@@ -7433,7 +7446,7 @@
                       <a:pPr algn="ctr"/>
                       <a:r>
                         <a:rPr lang="en-US" dirty="0"/>
-                        <a:t>0.821</a:t>
+                        <a:t>0.808</a:t>
                       </a:r>
                     </a:p>
                   </a:txBody>
@@ -7445,6 +7458,10 @@
                     <a:lstStyle/>
                     <a:p>
                       <a:pPr algn="ctr"/>
+                      <a:r>
+                        <a:rPr lang="en-US" altLang="zh-CN" dirty="0"/>
+                        <a:t>0.10s</a:t>
+                      </a:r>
                       <a:endParaRPr lang="en-US" dirty="0"/>
                     </a:p>
                   </a:txBody>
@@ -7479,7 +7496,7 @@
                       <a:pPr algn="ctr"/>
                       <a:r>
                         <a:rPr lang="en-US" dirty="0"/>
-                        <a:t>0.821</a:t>
+                        <a:t>0.779</a:t>
                       </a:r>
                     </a:p>
                   </a:txBody>
@@ -7491,7 +7508,10 @@
                     <a:lstStyle/>
                     <a:p>
                       <a:pPr algn="ctr"/>
-                      <a:endParaRPr lang="en-US" dirty="0"/>
+                      <a:r>
+                        <a:rPr lang="en-US" dirty="0"/>
+                        <a:t>4.41s</a:t>
+                      </a:r>
                     </a:p>
                   </a:txBody>
                   <a:tcPr/>

--- a/doc/presentation.pptx
+++ b/doc/presentation.pptx
@@ -20,6 +20,9 @@
     <p:sldId id="271" r:id="rId14"/>
     <p:sldId id="273" r:id="rId15"/>
     <p:sldId id="274" r:id="rId16"/>
+    <p:sldId id="276" r:id="rId17"/>
+    <p:sldId id="277" r:id="rId18"/>
+    <p:sldId id="278" r:id="rId19"/>
   </p:sldIdLst>
   <p:sldSz cx="12192000" cy="6858000"/>
   <p:notesSz cx="6858000" cy="9144000"/>
@@ -138,6 +141,9 @@
             <p14:sldId id="271"/>
             <p14:sldId id="273"/>
             <p14:sldId id="274"/>
+            <p14:sldId id="276"/>
+            <p14:sldId id="277"/>
+            <p14:sldId id="278"/>
           </p14:sldIdLst>
         </p14:section>
       </p14:sectionLst>
@@ -7111,7 +7117,12 @@
             <p:ph type="body" sz="half" idx="2"/>
           </p:nvPr>
         </p:nvSpPr>
-        <p:spPr/>
+        <p:spPr>
+          <a:xfrm>
+            <a:off x="8218616" y="2812774"/>
+            <a:ext cx="3092115" cy="1401418"/>
+          </a:xfrm>
+        </p:spPr>
         <p:txBody>
           <a:bodyPr>
             <a:normAutofit/>
@@ -7536,6 +7547,153 @@
   <p:clrMapOvr>
     <a:masterClrMapping/>
   </p:clrMapOvr>
+  <p:timing>
+    <p:tnLst>
+      <p:par>
+        <p:cTn id="1" dur="indefinite" restart="never" nodeType="tmRoot">
+          <p:childTnLst>
+            <p:seq concurrent="1" nextAc="seek">
+              <p:cTn id="2" dur="indefinite" nodeType="mainSeq">
+                <p:childTnLst>
+                  <p:par>
+                    <p:cTn id="3" fill="hold">
+                      <p:stCondLst>
+                        <p:cond delay="indefinite"/>
+                      </p:stCondLst>
+                      <p:childTnLst>
+                        <p:par>
+                          <p:cTn id="4" fill="hold">
+                            <p:stCondLst>
+                              <p:cond delay="0"/>
+                            </p:stCondLst>
+                            <p:childTnLst>
+                              <p:par>
+                                <p:cTn id="5" presetID="10" presetClass="entr" presetSubtype="0" fill="hold" nodeType="clickEffect">
+                                  <p:stCondLst>
+                                    <p:cond delay="0"/>
+                                  </p:stCondLst>
+                                  <p:childTnLst>
+                                    <p:set>
+                                      <p:cBhvr>
+                                        <p:cTn id="6" dur="1" fill="hold">
+                                          <p:stCondLst>
+                                            <p:cond delay="0"/>
+                                          </p:stCondLst>
+                                        </p:cTn>
+                                        <p:tgtEl>
+                                          <p:spTgt spid="11"/>
+                                        </p:tgtEl>
+                                        <p:attrNameLst>
+                                          <p:attrName>style.visibility</p:attrName>
+                                        </p:attrNameLst>
+                                      </p:cBhvr>
+                                      <p:to>
+                                        <p:strVal val="visible"/>
+                                      </p:to>
+                                    </p:set>
+                                    <p:animEffect transition="in" filter="fade">
+                                      <p:cBhvr>
+                                        <p:cTn id="7" dur="500"/>
+                                        <p:tgtEl>
+                                          <p:spTgt spid="11"/>
+                                        </p:tgtEl>
+                                      </p:cBhvr>
+                                    </p:animEffect>
+                                  </p:childTnLst>
+                                </p:cTn>
+                              </p:par>
+                            </p:childTnLst>
+                          </p:cTn>
+                        </p:par>
+                      </p:childTnLst>
+                    </p:cTn>
+                  </p:par>
+                  <p:par>
+                    <p:cTn id="8" fill="hold">
+                      <p:stCondLst>
+                        <p:cond delay="indefinite"/>
+                      </p:stCondLst>
+                      <p:childTnLst>
+                        <p:par>
+                          <p:cTn id="9" fill="hold">
+                            <p:stCondLst>
+                              <p:cond delay="0"/>
+                            </p:stCondLst>
+                            <p:childTnLst>
+                              <p:par>
+                                <p:cTn id="10" presetID="10" presetClass="entr" presetSubtype="0" fill="hold" grpId="0" nodeType="clickEffect">
+                                  <p:stCondLst>
+                                    <p:cond delay="0"/>
+                                  </p:stCondLst>
+                                  <p:childTnLst>
+                                    <p:set>
+                                      <p:cBhvr>
+                                        <p:cTn id="11" dur="1" fill="hold">
+                                          <p:stCondLst>
+                                            <p:cond delay="0"/>
+                                          </p:stCondLst>
+                                        </p:cTn>
+                                        <p:tgtEl>
+                                          <p:spTgt spid="4">
+                                            <p:txEl>
+                                              <p:pRg st="0" end="0"/>
+                                            </p:txEl>
+                                          </p:spTgt>
+                                        </p:tgtEl>
+                                        <p:attrNameLst>
+                                          <p:attrName>style.visibility</p:attrName>
+                                        </p:attrNameLst>
+                                      </p:cBhvr>
+                                      <p:to>
+                                        <p:strVal val="visible"/>
+                                      </p:to>
+                                    </p:set>
+                                    <p:animEffect transition="in" filter="fade">
+                                      <p:cBhvr>
+                                        <p:cTn id="12" dur="500"/>
+                                        <p:tgtEl>
+                                          <p:spTgt spid="4">
+                                            <p:txEl>
+                                              <p:pRg st="0" end="0"/>
+                                            </p:txEl>
+                                          </p:spTgt>
+                                        </p:tgtEl>
+                                      </p:cBhvr>
+                                    </p:animEffect>
+                                  </p:childTnLst>
+                                </p:cTn>
+                              </p:par>
+                            </p:childTnLst>
+                          </p:cTn>
+                        </p:par>
+                      </p:childTnLst>
+                    </p:cTn>
+                  </p:par>
+                </p:childTnLst>
+              </p:cTn>
+              <p:prevCondLst>
+                <p:cond evt="onPrev" delay="0">
+                  <p:tgtEl>
+                    <p:sldTgt/>
+                  </p:tgtEl>
+                </p:cond>
+              </p:prevCondLst>
+              <p:nextCondLst>
+                <p:cond evt="onNext" delay="0">
+                  <p:tgtEl>
+                    <p:sldTgt/>
+                  </p:tgtEl>
+                </p:cond>
+              </p:nextCondLst>
+            </p:seq>
+          </p:childTnLst>
+        </p:cTn>
+      </p:par>
+    </p:tnLst>
+    <p:bldLst>
+      <p:bldP spid="4" grpId="0" build="p"/>
+    </p:bldLst>
+  </p:timing>
 </p:sld>
 </file>
 
@@ -7722,6 +7880,519 @@
   <p:clrMapOvr>
     <a:masterClrMapping/>
   </p:clrMapOvr>
+  <p:timing>
+    <p:tnLst>
+      <p:par>
+        <p:cTn id="1" dur="indefinite" restart="never" nodeType="tmRoot">
+          <p:childTnLst>
+            <p:seq concurrent="1" nextAc="seek">
+              <p:cTn id="2" dur="indefinite" nodeType="mainSeq">
+                <p:childTnLst>
+                  <p:par>
+                    <p:cTn id="3" fill="hold">
+                      <p:stCondLst>
+                        <p:cond delay="indefinite"/>
+                      </p:stCondLst>
+                      <p:childTnLst>
+                        <p:par>
+                          <p:cTn id="4" fill="hold">
+                            <p:stCondLst>
+                              <p:cond delay="0"/>
+                            </p:stCondLst>
+                            <p:childTnLst>
+                              <p:par>
+                                <p:cTn id="5" presetID="10" presetClass="entr" presetSubtype="0" fill="hold" nodeType="clickEffect">
+                                  <p:stCondLst>
+                                    <p:cond delay="0"/>
+                                  </p:stCondLst>
+                                  <p:childTnLst>
+                                    <p:set>
+                                      <p:cBhvr>
+                                        <p:cTn id="6" dur="1" fill="hold">
+                                          <p:stCondLst>
+                                            <p:cond delay="0"/>
+                                          </p:stCondLst>
+                                        </p:cTn>
+                                        <p:tgtEl>
+                                          <p:spTgt spid="9"/>
+                                        </p:tgtEl>
+                                        <p:attrNameLst>
+                                          <p:attrName>style.visibility</p:attrName>
+                                        </p:attrNameLst>
+                                      </p:cBhvr>
+                                      <p:to>
+                                        <p:strVal val="visible"/>
+                                      </p:to>
+                                    </p:set>
+                                    <p:animEffect transition="in" filter="fade">
+                                      <p:cBhvr>
+                                        <p:cTn id="7" dur="500"/>
+                                        <p:tgtEl>
+                                          <p:spTgt spid="9"/>
+                                        </p:tgtEl>
+                                      </p:cBhvr>
+                                    </p:animEffect>
+                                  </p:childTnLst>
+                                </p:cTn>
+                              </p:par>
+                            </p:childTnLst>
+                          </p:cTn>
+                        </p:par>
+                      </p:childTnLst>
+                    </p:cTn>
+                  </p:par>
+                  <p:par>
+                    <p:cTn id="8" fill="hold">
+                      <p:stCondLst>
+                        <p:cond delay="indefinite"/>
+                      </p:stCondLst>
+                      <p:childTnLst>
+                        <p:par>
+                          <p:cTn id="9" fill="hold">
+                            <p:stCondLst>
+                              <p:cond delay="0"/>
+                            </p:stCondLst>
+                            <p:childTnLst>
+                              <p:par>
+                                <p:cTn id="10" presetID="10" presetClass="entr" presetSubtype="0" fill="hold" grpId="0" nodeType="clickEffect">
+                                  <p:stCondLst>
+                                    <p:cond delay="0"/>
+                                  </p:stCondLst>
+                                  <p:childTnLst>
+                                    <p:set>
+                                      <p:cBhvr>
+                                        <p:cTn id="11" dur="1" fill="hold">
+                                          <p:stCondLst>
+                                            <p:cond delay="0"/>
+                                          </p:stCondLst>
+                                        </p:cTn>
+                                        <p:tgtEl>
+                                          <p:spTgt spid="4">
+                                            <p:txEl>
+                                              <p:pRg st="0" end="0"/>
+                                            </p:txEl>
+                                          </p:spTgt>
+                                        </p:tgtEl>
+                                        <p:attrNameLst>
+                                          <p:attrName>style.visibility</p:attrName>
+                                        </p:attrNameLst>
+                                      </p:cBhvr>
+                                      <p:to>
+                                        <p:strVal val="visible"/>
+                                      </p:to>
+                                    </p:set>
+                                    <p:animEffect transition="in" filter="fade">
+                                      <p:cBhvr>
+                                        <p:cTn id="12" dur="500"/>
+                                        <p:tgtEl>
+                                          <p:spTgt spid="4">
+                                            <p:txEl>
+                                              <p:pRg st="0" end="0"/>
+                                            </p:txEl>
+                                          </p:spTgt>
+                                        </p:tgtEl>
+                                      </p:cBhvr>
+                                    </p:animEffect>
+                                  </p:childTnLst>
+                                </p:cTn>
+                              </p:par>
+                            </p:childTnLst>
+                          </p:cTn>
+                        </p:par>
+                      </p:childTnLst>
+                    </p:cTn>
+                  </p:par>
+                  <p:par>
+                    <p:cTn id="13" fill="hold">
+                      <p:stCondLst>
+                        <p:cond delay="indefinite"/>
+                      </p:stCondLst>
+                      <p:childTnLst>
+                        <p:par>
+                          <p:cTn id="14" fill="hold">
+                            <p:stCondLst>
+                              <p:cond delay="0"/>
+                            </p:stCondLst>
+                            <p:childTnLst>
+                              <p:par>
+                                <p:cTn id="15" presetID="10" presetClass="entr" presetSubtype="0" fill="hold" grpId="0" nodeType="clickEffect">
+                                  <p:stCondLst>
+                                    <p:cond delay="0"/>
+                                  </p:stCondLst>
+                                  <p:childTnLst>
+                                    <p:set>
+                                      <p:cBhvr>
+                                        <p:cTn id="16" dur="1" fill="hold">
+                                          <p:stCondLst>
+                                            <p:cond delay="0"/>
+                                          </p:stCondLst>
+                                        </p:cTn>
+                                        <p:tgtEl>
+                                          <p:spTgt spid="4">
+                                            <p:txEl>
+                                              <p:pRg st="2" end="2"/>
+                                            </p:txEl>
+                                          </p:spTgt>
+                                        </p:tgtEl>
+                                        <p:attrNameLst>
+                                          <p:attrName>style.visibility</p:attrName>
+                                        </p:attrNameLst>
+                                      </p:cBhvr>
+                                      <p:to>
+                                        <p:strVal val="visible"/>
+                                      </p:to>
+                                    </p:set>
+                                    <p:animEffect transition="in" filter="fade">
+                                      <p:cBhvr>
+                                        <p:cTn id="17" dur="500"/>
+                                        <p:tgtEl>
+                                          <p:spTgt spid="4">
+                                            <p:txEl>
+                                              <p:pRg st="2" end="2"/>
+                                            </p:txEl>
+                                          </p:spTgt>
+                                        </p:tgtEl>
+                                      </p:cBhvr>
+                                    </p:animEffect>
+                                  </p:childTnLst>
+                                </p:cTn>
+                              </p:par>
+                            </p:childTnLst>
+                          </p:cTn>
+                        </p:par>
+                      </p:childTnLst>
+                    </p:cTn>
+                  </p:par>
+                  <p:par>
+                    <p:cTn id="18" fill="hold">
+                      <p:stCondLst>
+                        <p:cond delay="indefinite"/>
+                      </p:stCondLst>
+                      <p:childTnLst>
+                        <p:par>
+                          <p:cTn id="19" fill="hold">
+                            <p:stCondLst>
+                              <p:cond delay="0"/>
+                            </p:stCondLst>
+                            <p:childTnLst>
+                              <p:par>
+                                <p:cTn id="20" presetID="10" presetClass="entr" presetSubtype="0" fill="hold" grpId="0" nodeType="clickEffect">
+                                  <p:stCondLst>
+                                    <p:cond delay="0"/>
+                                  </p:stCondLst>
+                                  <p:childTnLst>
+                                    <p:set>
+                                      <p:cBhvr>
+                                        <p:cTn id="21" dur="1" fill="hold">
+                                          <p:stCondLst>
+                                            <p:cond delay="0"/>
+                                          </p:stCondLst>
+                                        </p:cTn>
+                                        <p:tgtEl>
+                                          <p:spTgt spid="4">
+                                            <p:txEl>
+                                              <p:pRg st="3" end="3"/>
+                                            </p:txEl>
+                                          </p:spTgt>
+                                        </p:tgtEl>
+                                        <p:attrNameLst>
+                                          <p:attrName>style.visibility</p:attrName>
+                                        </p:attrNameLst>
+                                      </p:cBhvr>
+                                      <p:to>
+                                        <p:strVal val="visible"/>
+                                      </p:to>
+                                    </p:set>
+                                    <p:animEffect transition="in" filter="fade">
+                                      <p:cBhvr>
+                                        <p:cTn id="22" dur="500"/>
+                                        <p:tgtEl>
+                                          <p:spTgt spid="4">
+                                            <p:txEl>
+                                              <p:pRg st="3" end="3"/>
+                                            </p:txEl>
+                                          </p:spTgt>
+                                        </p:tgtEl>
+                                      </p:cBhvr>
+                                    </p:animEffect>
+                                  </p:childTnLst>
+                                </p:cTn>
+                              </p:par>
+                            </p:childTnLst>
+                          </p:cTn>
+                        </p:par>
+                      </p:childTnLst>
+                    </p:cTn>
+                  </p:par>
+                  <p:par>
+                    <p:cTn id="23" fill="hold">
+                      <p:stCondLst>
+                        <p:cond delay="indefinite"/>
+                      </p:stCondLst>
+                      <p:childTnLst>
+                        <p:par>
+                          <p:cTn id="24" fill="hold">
+                            <p:stCondLst>
+                              <p:cond delay="0"/>
+                            </p:stCondLst>
+                            <p:childTnLst>
+                              <p:par>
+                                <p:cTn id="25" presetID="10" presetClass="entr" presetSubtype="0" fill="hold" grpId="0" nodeType="clickEffect">
+                                  <p:stCondLst>
+                                    <p:cond delay="0"/>
+                                  </p:stCondLst>
+                                  <p:childTnLst>
+                                    <p:set>
+                                      <p:cBhvr>
+                                        <p:cTn id="26" dur="1" fill="hold">
+                                          <p:stCondLst>
+                                            <p:cond delay="0"/>
+                                          </p:stCondLst>
+                                        </p:cTn>
+                                        <p:tgtEl>
+                                          <p:spTgt spid="4">
+                                            <p:txEl>
+                                              <p:pRg st="4" end="4"/>
+                                            </p:txEl>
+                                          </p:spTgt>
+                                        </p:tgtEl>
+                                        <p:attrNameLst>
+                                          <p:attrName>style.visibility</p:attrName>
+                                        </p:attrNameLst>
+                                      </p:cBhvr>
+                                      <p:to>
+                                        <p:strVal val="visible"/>
+                                      </p:to>
+                                    </p:set>
+                                    <p:animEffect transition="in" filter="fade">
+                                      <p:cBhvr>
+                                        <p:cTn id="27" dur="500"/>
+                                        <p:tgtEl>
+                                          <p:spTgt spid="4">
+                                            <p:txEl>
+                                              <p:pRg st="4" end="4"/>
+                                            </p:txEl>
+                                          </p:spTgt>
+                                        </p:tgtEl>
+                                      </p:cBhvr>
+                                    </p:animEffect>
+                                  </p:childTnLst>
+                                </p:cTn>
+                              </p:par>
+                            </p:childTnLst>
+                          </p:cTn>
+                        </p:par>
+                      </p:childTnLst>
+                    </p:cTn>
+                  </p:par>
+                  <p:par>
+                    <p:cTn id="28" fill="hold">
+                      <p:stCondLst>
+                        <p:cond delay="indefinite"/>
+                      </p:stCondLst>
+                      <p:childTnLst>
+                        <p:par>
+                          <p:cTn id="29" fill="hold">
+                            <p:stCondLst>
+                              <p:cond delay="0"/>
+                            </p:stCondLst>
+                            <p:childTnLst>
+                              <p:par>
+                                <p:cTn id="30" presetID="10" presetClass="entr" presetSubtype="0" fill="hold" grpId="0" nodeType="clickEffect">
+                                  <p:stCondLst>
+                                    <p:cond delay="0"/>
+                                  </p:stCondLst>
+                                  <p:childTnLst>
+                                    <p:set>
+                                      <p:cBhvr>
+                                        <p:cTn id="31" dur="1" fill="hold">
+                                          <p:stCondLst>
+                                            <p:cond delay="0"/>
+                                          </p:stCondLst>
+                                        </p:cTn>
+                                        <p:tgtEl>
+                                          <p:spTgt spid="4">
+                                            <p:txEl>
+                                              <p:pRg st="5" end="5"/>
+                                            </p:txEl>
+                                          </p:spTgt>
+                                        </p:tgtEl>
+                                        <p:attrNameLst>
+                                          <p:attrName>style.visibility</p:attrName>
+                                        </p:attrNameLst>
+                                      </p:cBhvr>
+                                      <p:to>
+                                        <p:strVal val="visible"/>
+                                      </p:to>
+                                    </p:set>
+                                    <p:animEffect transition="in" filter="fade">
+                                      <p:cBhvr>
+                                        <p:cTn id="32" dur="500"/>
+                                        <p:tgtEl>
+                                          <p:spTgt spid="4">
+                                            <p:txEl>
+                                              <p:pRg st="5" end="5"/>
+                                            </p:txEl>
+                                          </p:spTgt>
+                                        </p:tgtEl>
+                                      </p:cBhvr>
+                                    </p:animEffect>
+                                  </p:childTnLst>
+                                </p:cTn>
+                              </p:par>
+                            </p:childTnLst>
+                          </p:cTn>
+                        </p:par>
+                      </p:childTnLst>
+                    </p:cTn>
+                  </p:par>
+                  <p:par>
+                    <p:cTn id="33" fill="hold">
+                      <p:stCondLst>
+                        <p:cond delay="indefinite"/>
+                      </p:stCondLst>
+                      <p:childTnLst>
+                        <p:par>
+                          <p:cTn id="34" fill="hold">
+                            <p:stCondLst>
+                              <p:cond delay="0"/>
+                            </p:stCondLst>
+                            <p:childTnLst>
+                              <p:par>
+                                <p:cTn id="35" presetID="10" presetClass="entr" presetSubtype="0" fill="hold" grpId="0" nodeType="clickEffect">
+                                  <p:stCondLst>
+                                    <p:cond delay="0"/>
+                                  </p:stCondLst>
+                                  <p:childTnLst>
+                                    <p:set>
+                                      <p:cBhvr>
+                                        <p:cTn id="36" dur="1" fill="hold">
+                                          <p:stCondLst>
+                                            <p:cond delay="0"/>
+                                          </p:stCondLst>
+                                        </p:cTn>
+                                        <p:tgtEl>
+                                          <p:spTgt spid="4">
+                                            <p:txEl>
+                                              <p:pRg st="6" end="6"/>
+                                            </p:txEl>
+                                          </p:spTgt>
+                                        </p:tgtEl>
+                                        <p:attrNameLst>
+                                          <p:attrName>style.visibility</p:attrName>
+                                        </p:attrNameLst>
+                                      </p:cBhvr>
+                                      <p:to>
+                                        <p:strVal val="visible"/>
+                                      </p:to>
+                                    </p:set>
+                                    <p:animEffect transition="in" filter="fade">
+                                      <p:cBhvr>
+                                        <p:cTn id="37" dur="500"/>
+                                        <p:tgtEl>
+                                          <p:spTgt spid="4">
+                                            <p:txEl>
+                                              <p:pRg st="6" end="6"/>
+                                            </p:txEl>
+                                          </p:spTgt>
+                                        </p:tgtEl>
+                                      </p:cBhvr>
+                                    </p:animEffect>
+                                  </p:childTnLst>
+                                </p:cTn>
+                              </p:par>
+                            </p:childTnLst>
+                          </p:cTn>
+                        </p:par>
+                      </p:childTnLst>
+                    </p:cTn>
+                  </p:par>
+                  <p:par>
+                    <p:cTn id="38" fill="hold">
+                      <p:stCondLst>
+                        <p:cond delay="indefinite"/>
+                      </p:stCondLst>
+                      <p:childTnLst>
+                        <p:par>
+                          <p:cTn id="39" fill="hold">
+                            <p:stCondLst>
+                              <p:cond delay="0"/>
+                            </p:stCondLst>
+                            <p:childTnLst>
+                              <p:par>
+                                <p:cTn id="40" presetID="10" presetClass="entr" presetSubtype="0" fill="hold" grpId="0" nodeType="clickEffect">
+                                  <p:stCondLst>
+                                    <p:cond delay="0"/>
+                                  </p:stCondLst>
+                                  <p:childTnLst>
+                                    <p:set>
+                                      <p:cBhvr>
+                                        <p:cTn id="41" dur="1" fill="hold">
+                                          <p:stCondLst>
+                                            <p:cond delay="0"/>
+                                          </p:stCondLst>
+                                        </p:cTn>
+                                        <p:tgtEl>
+                                          <p:spTgt spid="4">
+                                            <p:txEl>
+                                              <p:pRg st="7" end="7"/>
+                                            </p:txEl>
+                                          </p:spTgt>
+                                        </p:tgtEl>
+                                        <p:attrNameLst>
+                                          <p:attrName>style.visibility</p:attrName>
+                                        </p:attrNameLst>
+                                      </p:cBhvr>
+                                      <p:to>
+                                        <p:strVal val="visible"/>
+                                      </p:to>
+                                    </p:set>
+                                    <p:animEffect transition="in" filter="fade">
+                                      <p:cBhvr>
+                                        <p:cTn id="42" dur="500"/>
+                                        <p:tgtEl>
+                                          <p:spTgt spid="4">
+                                            <p:txEl>
+                                              <p:pRg st="7" end="7"/>
+                                            </p:txEl>
+                                          </p:spTgt>
+                                        </p:tgtEl>
+                                      </p:cBhvr>
+                                    </p:animEffect>
+                                  </p:childTnLst>
+                                </p:cTn>
+                              </p:par>
+                            </p:childTnLst>
+                          </p:cTn>
+                        </p:par>
+                      </p:childTnLst>
+                    </p:cTn>
+                  </p:par>
+                </p:childTnLst>
+              </p:cTn>
+              <p:prevCondLst>
+                <p:cond evt="onPrev" delay="0">
+                  <p:tgtEl>
+                    <p:sldTgt/>
+                  </p:tgtEl>
+                </p:cond>
+              </p:prevCondLst>
+              <p:nextCondLst>
+                <p:cond evt="onNext" delay="0">
+                  <p:tgtEl>
+                    <p:sldTgt/>
+                  </p:tgtEl>
+                </p:cond>
+              </p:nextCondLst>
+            </p:seq>
+          </p:childTnLst>
+        </p:cTn>
+      </p:par>
+    </p:tnLst>
+    <p:bldLst>
+      <p:bldP spid="4" grpId="0" build="p"/>
+    </p:bldLst>
+  </p:timing>
 </p:sld>
 </file>
 
@@ -11222,6 +11893,89 @@
   <p:clrMapOvr>
     <a:masterClrMapping/>
   </p:clrMapOvr>
+  <p:timing>
+    <p:tnLst>
+      <p:par>
+        <p:cTn id="1" dur="indefinite" restart="never" nodeType="tmRoot">
+          <p:childTnLst>
+            <p:seq concurrent="1" nextAc="seek">
+              <p:cTn id="2" dur="indefinite" nodeType="mainSeq">
+                <p:childTnLst>
+                  <p:par>
+                    <p:cTn id="3" fill="hold">
+                      <p:stCondLst>
+                        <p:cond delay="indefinite"/>
+                      </p:stCondLst>
+                      <p:childTnLst>
+                        <p:par>
+                          <p:cTn id="4" fill="hold">
+                            <p:stCondLst>
+                              <p:cond delay="0"/>
+                            </p:stCondLst>
+                            <p:childTnLst>
+                              <p:par>
+                                <p:cTn id="5" presetID="10" presetClass="entr" presetSubtype="0" fill="hold" nodeType="clickEffect">
+                                  <p:stCondLst>
+                                    <p:cond delay="0"/>
+                                  </p:stCondLst>
+                                  <p:childTnLst>
+                                    <p:set>
+                                      <p:cBhvr>
+                                        <p:cTn id="6" dur="1" fill="hold">
+                                          <p:stCondLst>
+                                            <p:cond delay="0"/>
+                                          </p:stCondLst>
+                                        </p:cTn>
+                                        <p:tgtEl>
+                                          <p:spTgt spid="4"/>
+                                        </p:tgtEl>
+                                        <p:attrNameLst>
+                                          <p:attrName>style.visibility</p:attrName>
+                                        </p:attrNameLst>
+                                      </p:cBhvr>
+                                      <p:to>
+                                        <p:strVal val="visible"/>
+                                      </p:to>
+                                    </p:set>
+                                    <p:animEffect transition="in" filter="fade">
+                                      <p:cBhvr>
+                                        <p:cTn id="7" dur="500"/>
+                                        <p:tgtEl>
+                                          <p:spTgt spid="4"/>
+                                        </p:tgtEl>
+                                      </p:cBhvr>
+                                    </p:animEffect>
+                                  </p:childTnLst>
+                                </p:cTn>
+                              </p:par>
+                            </p:childTnLst>
+                          </p:cTn>
+                        </p:par>
+                      </p:childTnLst>
+                    </p:cTn>
+                  </p:par>
+                </p:childTnLst>
+              </p:cTn>
+              <p:prevCondLst>
+                <p:cond evt="onPrev" delay="0">
+                  <p:tgtEl>
+                    <p:sldTgt/>
+                  </p:tgtEl>
+                </p:cond>
+              </p:prevCondLst>
+              <p:nextCondLst>
+                <p:cond evt="onNext" delay="0">
+                  <p:tgtEl>
+                    <p:sldTgt/>
+                  </p:tgtEl>
+                </p:cond>
+              </p:nextCondLst>
+            </p:seq>
+          </p:childTnLst>
+        </p:cTn>
+      </p:par>
+    </p:tnLst>
+  </p:timing>
 </p:sld>
 </file>
 
@@ -14722,6 +15476,89 @@
   <p:clrMapOvr>
     <a:masterClrMapping/>
   </p:clrMapOvr>
+  <p:timing>
+    <p:tnLst>
+      <p:par>
+        <p:cTn id="1" dur="indefinite" restart="never" nodeType="tmRoot">
+          <p:childTnLst>
+            <p:seq concurrent="1" nextAc="seek">
+              <p:cTn id="2" dur="indefinite" nodeType="mainSeq">
+                <p:childTnLst>
+                  <p:par>
+                    <p:cTn id="3" fill="hold">
+                      <p:stCondLst>
+                        <p:cond delay="indefinite"/>
+                      </p:stCondLst>
+                      <p:childTnLst>
+                        <p:par>
+                          <p:cTn id="4" fill="hold">
+                            <p:stCondLst>
+                              <p:cond delay="0"/>
+                            </p:stCondLst>
+                            <p:childTnLst>
+                              <p:par>
+                                <p:cTn id="5" presetID="10" presetClass="entr" presetSubtype="0" fill="hold" nodeType="clickEffect">
+                                  <p:stCondLst>
+                                    <p:cond delay="0"/>
+                                  </p:stCondLst>
+                                  <p:childTnLst>
+                                    <p:set>
+                                      <p:cBhvr>
+                                        <p:cTn id="6" dur="1" fill="hold">
+                                          <p:stCondLst>
+                                            <p:cond delay="0"/>
+                                          </p:stCondLst>
+                                        </p:cTn>
+                                        <p:tgtEl>
+                                          <p:spTgt spid="5"/>
+                                        </p:tgtEl>
+                                        <p:attrNameLst>
+                                          <p:attrName>style.visibility</p:attrName>
+                                        </p:attrNameLst>
+                                      </p:cBhvr>
+                                      <p:to>
+                                        <p:strVal val="visible"/>
+                                      </p:to>
+                                    </p:set>
+                                    <p:animEffect transition="in" filter="fade">
+                                      <p:cBhvr>
+                                        <p:cTn id="7" dur="500"/>
+                                        <p:tgtEl>
+                                          <p:spTgt spid="5"/>
+                                        </p:tgtEl>
+                                      </p:cBhvr>
+                                    </p:animEffect>
+                                  </p:childTnLst>
+                                </p:cTn>
+                              </p:par>
+                            </p:childTnLst>
+                          </p:cTn>
+                        </p:par>
+                      </p:childTnLst>
+                    </p:cTn>
+                  </p:par>
+                </p:childTnLst>
+              </p:cTn>
+              <p:prevCondLst>
+                <p:cond evt="onPrev" delay="0">
+                  <p:tgtEl>
+                    <p:sldTgt/>
+                  </p:tgtEl>
+                </p:cond>
+              </p:prevCondLst>
+              <p:nextCondLst>
+                <p:cond evt="onNext" delay="0">
+                  <p:tgtEl>
+                    <p:sldTgt/>
+                  </p:tgtEl>
+                </p:cond>
+              </p:nextCondLst>
+            </p:seq>
+          </p:childTnLst>
+        </p:cTn>
+      </p:par>
+    </p:tnLst>
+  </p:timing>
 </p:sld>
 </file>
 
@@ -18222,6 +19059,89 @@
   <p:clrMapOvr>
     <a:masterClrMapping/>
   </p:clrMapOvr>
+  <p:timing>
+    <p:tnLst>
+      <p:par>
+        <p:cTn id="1" dur="indefinite" restart="never" nodeType="tmRoot">
+          <p:childTnLst>
+            <p:seq concurrent="1" nextAc="seek">
+              <p:cTn id="2" dur="indefinite" nodeType="mainSeq">
+                <p:childTnLst>
+                  <p:par>
+                    <p:cTn id="3" fill="hold">
+                      <p:stCondLst>
+                        <p:cond delay="indefinite"/>
+                      </p:stCondLst>
+                      <p:childTnLst>
+                        <p:par>
+                          <p:cTn id="4" fill="hold">
+                            <p:stCondLst>
+                              <p:cond delay="0"/>
+                            </p:stCondLst>
+                            <p:childTnLst>
+                              <p:par>
+                                <p:cTn id="5" presetID="10" presetClass="entr" presetSubtype="0" fill="hold" nodeType="clickEffect">
+                                  <p:stCondLst>
+                                    <p:cond delay="0"/>
+                                  </p:stCondLst>
+                                  <p:childTnLst>
+                                    <p:set>
+                                      <p:cBhvr>
+                                        <p:cTn id="6" dur="1" fill="hold">
+                                          <p:stCondLst>
+                                            <p:cond delay="0"/>
+                                          </p:stCondLst>
+                                        </p:cTn>
+                                        <p:tgtEl>
+                                          <p:spTgt spid="3"/>
+                                        </p:tgtEl>
+                                        <p:attrNameLst>
+                                          <p:attrName>style.visibility</p:attrName>
+                                        </p:attrNameLst>
+                                      </p:cBhvr>
+                                      <p:to>
+                                        <p:strVal val="visible"/>
+                                      </p:to>
+                                    </p:set>
+                                    <p:animEffect transition="in" filter="fade">
+                                      <p:cBhvr>
+                                        <p:cTn id="7" dur="500"/>
+                                        <p:tgtEl>
+                                          <p:spTgt spid="3"/>
+                                        </p:tgtEl>
+                                      </p:cBhvr>
+                                    </p:animEffect>
+                                  </p:childTnLst>
+                                </p:cTn>
+                              </p:par>
+                            </p:childTnLst>
+                          </p:cTn>
+                        </p:par>
+                      </p:childTnLst>
+                    </p:cTn>
+                  </p:par>
+                </p:childTnLst>
+              </p:cTn>
+              <p:prevCondLst>
+                <p:cond evt="onPrev" delay="0">
+                  <p:tgtEl>
+                    <p:sldTgt/>
+                  </p:tgtEl>
+                </p:cond>
+              </p:prevCondLst>
+              <p:nextCondLst>
+                <p:cond evt="onNext" delay="0">
+                  <p:tgtEl>
+                    <p:sldTgt/>
+                  </p:tgtEl>
+                </p:cond>
+              </p:nextCondLst>
+            </p:seq>
+          </p:childTnLst>
+        </p:cTn>
+      </p:par>
+    </p:tnLst>
+  </p:timing>
 </p:sld>
 </file>
 
@@ -21722,6 +22642,575 @@
   <p:clrMapOvr>
     <a:masterClrMapping/>
   </p:clrMapOvr>
+  <p:timing>
+    <p:tnLst>
+      <p:par>
+        <p:cTn id="1" dur="indefinite" restart="never" nodeType="tmRoot">
+          <p:childTnLst>
+            <p:seq concurrent="1" nextAc="seek">
+              <p:cTn id="2" dur="indefinite" nodeType="mainSeq">
+                <p:childTnLst>
+                  <p:par>
+                    <p:cTn id="3" fill="hold">
+                      <p:stCondLst>
+                        <p:cond delay="indefinite"/>
+                      </p:stCondLst>
+                      <p:childTnLst>
+                        <p:par>
+                          <p:cTn id="4" fill="hold">
+                            <p:stCondLst>
+                              <p:cond delay="0"/>
+                            </p:stCondLst>
+                            <p:childTnLst>
+                              <p:par>
+                                <p:cTn id="5" presetID="10" presetClass="entr" presetSubtype="0" fill="hold" nodeType="clickEffect">
+                                  <p:stCondLst>
+                                    <p:cond delay="0"/>
+                                  </p:stCondLst>
+                                  <p:childTnLst>
+                                    <p:set>
+                                      <p:cBhvr>
+                                        <p:cTn id="6" dur="1" fill="hold">
+                                          <p:stCondLst>
+                                            <p:cond delay="0"/>
+                                          </p:stCondLst>
+                                        </p:cTn>
+                                        <p:tgtEl>
+                                          <p:spTgt spid="4"/>
+                                        </p:tgtEl>
+                                        <p:attrNameLst>
+                                          <p:attrName>style.visibility</p:attrName>
+                                        </p:attrNameLst>
+                                      </p:cBhvr>
+                                      <p:to>
+                                        <p:strVal val="visible"/>
+                                      </p:to>
+                                    </p:set>
+                                    <p:animEffect transition="in" filter="fade">
+                                      <p:cBhvr>
+                                        <p:cTn id="7" dur="500"/>
+                                        <p:tgtEl>
+                                          <p:spTgt spid="4"/>
+                                        </p:tgtEl>
+                                      </p:cBhvr>
+                                    </p:animEffect>
+                                  </p:childTnLst>
+                                </p:cTn>
+                              </p:par>
+                            </p:childTnLst>
+                          </p:cTn>
+                        </p:par>
+                      </p:childTnLst>
+                    </p:cTn>
+                  </p:par>
+                </p:childTnLst>
+              </p:cTn>
+              <p:prevCondLst>
+                <p:cond evt="onPrev" delay="0">
+                  <p:tgtEl>
+                    <p:sldTgt/>
+                  </p:tgtEl>
+                </p:cond>
+              </p:prevCondLst>
+              <p:nextCondLst>
+                <p:cond evt="onNext" delay="0">
+                  <p:tgtEl>
+                    <p:sldTgt/>
+                  </p:tgtEl>
+                </p:cond>
+              </p:nextCondLst>
+            </p:seq>
+          </p:childTnLst>
+        </p:cTn>
+      </p:par>
+    </p:tnLst>
+  </p:timing>
+</p:sld>
+</file>
+
+<file path=ppt/slides/slide16.xml><?xml version="1.0" encoding="utf-8"?>
+<p:sld xmlns:a="http://schemas.openxmlformats.org/drawingml/2006/main" xmlns:r="http://schemas.openxmlformats.org/officeDocument/2006/relationships" xmlns:p="http://schemas.openxmlformats.org/presentationml/2006/main">
+  <p:cSld>
+    <p:spTree>
+      <p:nvGrpSpPr>
+        <p:cNvPr id="1" name=""/>
+        <p:cNvGrpSpPr/>
+        <p:nvPr/>
+      </p:nvGrpSpPr>
+      <p:grpSpPr>
+        <a:xfrm>
+          <a:off x="0" y="0"/>
+          <a:ext cx="0" cy="0"/>
+          <a:chOff x="0" y="0"/>
+          <a:chExt cx="0" cy="0"/>
+        </a:xfrm>
+      </p:grpSpPr>
+      <p:sp>
+        <p:nvSpPr>
+          <p:cNvPr id="2" name="Title 1">
+            <a:extLst>
+              <a:ext uri="{FF2B5EF4-FFF2-40B4-BE49-F238E27FC236}">
+                <a16:creationId xmlns:a16="http://schemas.microsoft.com/office/drawing/2014/main" id="{87E00B73-4274-4A2A-B7EB-63E1F0713301}"/>
+              </a:ext>
+            </a:extLst>
+          </p:cNvPr>
+          <p:cNvSpPr>
+            <a:spLocks noGrp="1"/>
+          </p:cNvSpPr>
+          <p:nvPr>
+            <p:ph type="title"/>
+          </p:nvPr>
+        </p:nvSpPr>
+        <p:spPr/>
+        <p:txBody>
+          <a:bodyPr/>
+          <a:lstStyle/>
+          <a:p>
+            <a:r>
+              <a:rPr lang="en-US" dirty="0"/>
+              <a:t>Future plan	</a:t>
+            </a:r>
+          </a:p>
+        </p:txBody>
+      </p:sp>
+      <p:sp>
+        <p:nvSpPr>
+          <p:cNvPr id="3" name="Content Placeholder 2">
+            <a:extLst>
+              <a:ext uri="{FF2B5EF4-FFF2-40B4-BE49-F238E27FC236}">
+                <a16:creationId xmlns:a16="http://schemas.microsoft.com/office/drawing/2014/main" id="{ADAC2468-A591-44D7-9491-4F7127257A7A}"/>
+              </a:ext>
+            </a:extLst>
+          </p:cNvPr>
+          <p:cNvSpPr>
+            <a:spLocks noGrp="1"/>
+          </p:cNvSpPr>
+          <p:nvPr>
+            <p:ph idx="1"/>
+          </p:nvPr>
+        </p:nvSpPr>
+        <p:spPr>
+          <a:xfrm>
+            <a:off x="1251678" y="1719471"/>
+            <a:ext cx="10178322" cy="3593591"/>
+          </a:xfrm>
+        </p:spPr>
+        <p:txBody>
+          <a:bodyPr/>
+          <a:lstStyle/>
+          <a:p>
+            <a:r>
+              <a:rPr lang="en-US" sz="2800" dirty="0"/>
+              <a:t>Add “</a:t>
+            </a:r>
+            <a:r>
+              <a:rPr lang="en-US" sz="2800" dirty="0">
+                <a:solidFill>
+                  <a:srgbClr val="C00000"/>
+                </a:solidFill>
+              </a:rPr>
+              <a:t>Model Training</a:t>
+            </a:r>
+            <a:r>
+              <a:rPr lang="en-US" sz="2800" dirty="0"/>
+              <a:t>” feature in our app. </a:t>
+            </a:r>
+          </a:p>
+          <a:p>
+            <a:endParaRPr lang="en-US" sz="2800" dirty="0"/>
+          </a:p>
+          <a:p>
+            <a:pPr marL="0" indent="0">
+              <a:buNone/>
+            </a:pPr>
+            <a:r>
+              <a:rPr lang="en-US" sz="2800" dirty="0"/>
+              <a:t>Idea: Allow user to </a:t>
+            </a:r>
+            <a:r>
+              <a:rPr lang="en-US" sz="2800" dirty="0">
+                <a:solidFill>
+                  <a:srgbClr val="C00000"/>
+                </a:solidFill>
+              </a:rPr>
+              <a:t>upload their own training dataset</a:t>
+            </a:r>
+            <a:r>
+              <a:rPr lang="en-US" sz="2800" dirty="0"/>
+              <a:t>, and we can train a </a:t>
+            </a:r>
+            <a:r>
+              <a:rPr lang="en-US" sz="2800" dirty="0">
+                <a:solidFill>
+                  <a:srgbClr val="C00000"/>
+                </a:solidFill>
+              </a:rPr>
+              <a:t>new model </a:t>
+            </a:r>
+            <a:r>
+              <a:rPr lang="en-US" sz="2800" dirty="0"/>
+              <a:t>for the user based on the data user given.</a:t>
+            </a:r>
+          </a:p>
+          <a:p>
+            <a:pPr marL="0" indent="0">
+              <a:buNone/>
+            </a:pPr>
+            <a:endParaRPr lang="en-US" dirty="0"/>
+          </a:p>
+          <a:p>
+            <a:pPr marL="0" indent="0">
+              <a:buNone/>
+            </a:pPr>
+            <a:r>
+              <a:rPr lang="en-US" dirty="0"/>
+              <a:t> </a:t>
+            </a:r>
+          </a:p>
+        </p:txBody>
+      </p:sp>
+    </p:spTree>
+    <p:extLst>
+      <p:ext uri="{BB962C8B-B14F-4D97-AF65-F5344CB8AC3E}">
+        <p14:creationId xmlns:p14="http://schemas.microsoft.com/office/powerpoint/2010/main" val="156339696"/>
+      </p:ext>
+    </p:extLst>
+  </p:cSld>
+  <p:clrMapOvr>
+    <a:masterClrMapping/>
+  </p:clrMapOvr>
+  <p:timing>
+    <p:tnLst>
+      <p:par>
+        <p:cTn id="1" dur="indefinite" restart="never" nodeType="tmRoot">
+          <p:childTnLst>
+            <p:seq concurrent="1" nextAc="seek">
+              <p:cTn id="2" dur="indefinite" nodeType="mainSeq">
+                <p:childTnLst>
+                  <p:par>
+                    <p:cTn id="3" fill="hold">
+                      <p:stCondLst>
+                        <p:cond delay="indefinite"/>
+                      </p:stCondLst>
+                      <p:childTnLst>
+                        <p:par>
+                          <p:cTn id="4" fill="hold">
+                            <p:stCondLst>
+                              <p:cond delay="0"/>
+                            </p:stCondLst>
+                            <p:childTnLst>
+                              <p:par>
+                                <p:cTn id="5" presetID="10" presetClass="entr" presetSubtype="0" fill="hold" grpId="0" nodeType="clickEffect">
+                                  <p:stCondLst>
+                                    <p:cond delay="0"/>
+                                  </p:stCondLst>
+                                  <p:childTnLst>
+                                    <p:set>
+                                      <p:cBhvr>
+                                        <p:cTn id="6" dur="1" fill="hold">
+                                          <p:stCondLst>
+                                            <p:cond delay="0"/>
+                                          </p:stCondLst>
+                                        </p:cTn>
+                                        <p:tgtEl>
+                                          <p:spTgt spid="3">
+                                            <p:txEl>
+                                              <p:pRg st="0" end="0"/>
+                                            </p:txEl>
+                                          </p:spTgt>
+                                        </p:tgtEl>
+                                        <p:attrNameLst>
+                                          <p:attrName>style.visibility</p:attrName>
+                                        </p:attrNameLst>
+                                      </p:cBhvr>
+                                      <p:to>
+                                        <p:strVal val="visible"/>
+                                      </p:to>
+                                    </p:set>
+                                    <p:animEffect transition="in" filter="fade">
+                                      <p:cBhvr>
+                                        <p:cTn id="7" dur="500"/>
+                                        <p:tgtEl>
+                                          <p:spTgt spid="3">
+                                            <p:txEl>
+                                              <p:pRg st="0" end="0"/>
+                                            </p:txEl>
+                                          </p:spTgt>
+                                        </p:tgtEl>
+                                      </p:cBhvr>
+                                    </p:animEffect>
+                                  </p:childTnLst>
+                                </p:cTn>
+                              </p:par>
+                            </p:childTnLst>
+                          </p:cTn>
+                        </p:par>
+                      </p:childTnLst>
+                    </p:cTn>
+                  </p:par>
+                  <p:par>
+                    <p:cTn id="8" fill="hold">
+                      <p:stCondLst>
+                        <p:cond delay="indefinite"/>
+                      </p:stCondLst>
+                      <p:childTnLst>
+                        <p:par>
+                          <p:cTn id="9" fill="hold">
+                            <p:stCondLst>
+                              <p:cond delay="0"/>
+                            </p:stCondLst>
+                            <p:childTnLst>
+                              <p:par>
+                                <p:cTn id="10" presetID="10" presetClass="entr" presetSubtype="0" fill="hold" grpId="0" nodeType="clickEffect">
+                                  <p:stCondLst>
+                                    <p:cond delay="0"/>
+                                  </p:stCondLst>
+                                  <p:childTnLst>
+                                    <p:set>
+                                      <p:cBhvr>
+                                        <p:cTn id="11" dur="1" fill="hold">
+                                          <p:stCondLst>
+                                            <p:cond delay="0"/>
+                                          </p:stCondLst>
+                                        </p:cTn>
+                                        <p:tgtEl>
+                                          <p:spTgt spid="3">
+                                            <p:txEl>
+                                              <p:pRg st="2" end="2"/>
+                                            </p:txEl>
+                                          </p:spTgt>
+                                        </p:tgtEl>
+                                        <p:attrNameLst>
+                                          <p:attrName>style.visibility</p:attrName>
+                                        </p:attrNameLst>
+                                      </p:cBhvr>
+                                      <p:to>
+                                        <p:strVal val="visible"/>
+                                      </p:to>
+                                    </p:set>
+                                    <p:animEffect transition="in" filter="fade">
+                                      <p:cBhvr>
+                                        <p:cTn id="12" dur="500"/>
+                                        <p:tgtEl>
+                                          <p:spTgt spid="3">
+                                            <p:txEl>
+                                              <p:pRg st="2" end="2"/>
+                                            </p:txEl>
+                                          </p:spTgt>
+                                        </p:tgtEl>
+                                      </p:cBhvr>
+                                    </p:animEffect>
+                                  </p:childTnLst>
+                                </p:cTn>
+                              </p:par>
+                            </p:childTnLst>
+                          </p:cTn>
+                        </p:par>
+                      </p:childTnLst>
+                    </p:cTn>
+                  </p:par>
+                  <p:par>
+                    <p:cTn id="13" fill="hold">
+                      <p:stCondLst>
+                        <p:cond delay="indefinite"/>
+                      </p:stCondLst>
+                      <p:childTnLst>
+                        <p:par>
+                          <p:cTn id="14" fill="hold">
+                            <p:stCondLst>
+                              <p:cond delay="0"/>
+                            </p:stCondLst>
+                            <p:childTnLst>
+                              <p:par>
+                                <p:cTn id="15" presetID="10" presetClass="entr" presetSubtype="0" fill="hold" grpId="0" nodeType="clickEffect">
+                                  <p:stCondLst>
+                                    <p:cond delay="0"/>
+                                  </p:stCondLst>
+                                  <p:childTnLst>
+                                    <p:set>
+                                      <p:cBhvr>
+                                        <p:cTn id="16" dur="1" fill="hold">
+                                          <p:stCondLst>
+                                            <p:cond delay="0"/>
+                                          </p:stCondLst>
+                                        </p:cTn>
+                                        <p:tgtEl>
+                                          <p:spTgt spid="3">
+                                            <p:txEl>
+                                              <p:pRg st="4" end="4"/>
+                                            </p:txEl>
+                                          </p:spTgt>
+                                        </p:tgtEl>
+                                        <p:attrNameLst>
+                                          <p:attrName>style.visibility</p:attrName>
+                                        </p:attrNameLst>
+                                      </p:cBhvr>
+                                      <p:to>
+                                        <p:strVal val="visible"/>
+                                      </p:to>
+                                    </p:set>
+                                    <p:animEffect transition="in" filter="fade">
+                                      <p:cBhvr>
+                                        <p:cTn id="17" dur="500"/>
+                                        <p:tgtEl>
+                                          <p:spTgt spid="3">
+                                            <p:txEl>
+                                              <p:pRg st="4" end="4"/>
+                                            </p:txEl>
+                                          </p:spTgt>
+                                        </p:tgtEl>
+                                      </p:cBhvr>
+                                    </p:animEffect>
+                                  </p:childTnLst>
+                                </p:cTn>
+                              </p:par>
+                            </p:childTnLst>
+                          </p:cTn>
+                        </p:par>
+                      </p:childTnLst>
+                    </p:cTn>
+                  </p:par>
+                </p:childTnLst>
+              </p:cTn>
+              <p:prevCondLst>
+                <p:cond evt="onPrev" delay="0">
+                  <p:tgtEl>
+                    <p:sldTgt/>
+                  </p:tgtEl>
+                </p:cond>
+              </p:prevCondLst>
+              <p:nextCondLst>
+                <p:cond evt="onNext" delay="0">
+                  <p:tgtEl>
+                    <p:sldTgt/>
+                  </p:tgtEl>
+                </p:cond>
+              </p:nextCondLst>
+            </p:seq>
+          </p:childTnLst>
+        </p:cTn>
+      </p:par>
+    </p:tnLst>
+    <p:bldLst>
+      <p:bldP spid="3" grpId="0" build="p"/>
+    </p:bldLst>
+  </p:timing>
+</p:sld>
+</file>
+
+<file path=ppt/slides/slide17.xml><?xml version="1.0" encoding="utf-8"?>
+<p:sld xmlns:a="http://schemas.openxmlformats.org/drawingml/2006/main" xmlns:r="http://schemas.openxmlformats.org/officeDocument/2006/relationships" xmlns:p="http://schemas.openxmlformats.org/presentationml/2006/main">
+  <p:cSld>
+    <p:spTree>
+      <p:nvGrpSpPr>
+        <p:cNvPr id="1" name=""/>
+        <p:cNvGrpSpPr/>
+        <p:nvPr/>
+      </p:nvGrpSpPr>
+      <p:grpSpPr>
+        <a:xfrm>
+          <a:off x="0" y="0"/>
+          <a:ext cx="0" cy="0"/>
+          <a:chOff x="0" y="0"/>
+          <a:chExt cx="0" cy="0"/>
+        </a:xfrm>
+      </p:grpSpPr>
+      <p:sp>
+        <p:nvSpPr>
+          <p:cNvPr id="2" name="Title 1">
+            <a:extLst>
+              <a:ext uri="{FF2B5EF4-FFF2-40B4-BE49-F238E27FC236}">
+                <a16:creationId xmlns:a16="http://schemas.microsoft.com/office/drawing/2014/main" id="{51FE3251-0950-4D22-AC3D-3CAA416C37F7}"/>
+              </a:ext>
+            </a:extLst>
+          </p:cNvPr>
+          <p:cNvSpPr>
+            <a:spLocks noGrp="1"/>
+          </p:cNvSpPr>
+          <p:nvPr>
+            <p:ph type="ctrTitle"/>
+          </p:nvPr>
+        </p:nvSpPr>
+        <p:spPr/>
+        <p:txBody>
+          <a:bodyPr/>
+          <a:lstStyle/>
+          <a:p>
+            <a:r>
+              <a:rPr lang="en-US" sz="6000" dirty="0"/>
+              <a:t>Q &amp; A</a:t>
+            </a:r>
+          </a:p>
+        </p:txBody>
+      </p:sp>
+    </p:spTree>
+    <p:extLst>
+      <p:ext uri="{BB962C8B-B14F-4D97-AF65-F5344CB8AC3E}">
+        <p14:creationId xmlns:p14="http://schemas.microsoft.com/office/powerpoint/2010/main" val="1741363642"/>
+      </p:ext>
+    </p:extLst>
+  </p:cSld>
+  <p:clrMapOvr>
+    <a:masterClrMapping/>
+  </p:clrMapOvr>
+</p:sld>
+</file>
+
+<file path=ppt/slides/slide18.xml><?xml version="1.0" encoding="utf-8"?>
+<p:sld xmlns:a="http://schemas.openxmlformats.org/drawingml/2006/main" xmlns:r="http://schemas.openxmlformats.org/officeDocument/2006/relationships" xmlns:p="http://schemas.openxmlformats.org/presentationml/2006/main">
+  <p:cSld>
+    <p:spTree>
+      <p:nvGrpSpPr>
+        <p:cNvPr id="1" name=""/>
+        <p:cNvGrpSpPr/>
+        <p:nvPr/>
+      </p:nvGrpSpPr>
+      <p:grpSpPr>
+        <a:xfrm>
+          <a:off x="0" y="0"/>
+          <a:ext cx="0" cy="0"/>
+          <a:chOff x="0" y="0"/>
+          <a:chExt cx="0" cy="0"/>
+        </a:xfrm>
+      </p:grpSpPr>
+      <p:sp>
+        <p:nvSpPr>
+          <p:cNvPr id="2" name="Title 1">
+            <a:extLst>
+              <a:ext uri="{FF2B5EF4-FFF2-40B4-BE49-F238E27FC236}">
+                <a16:creationId xmlns:a16="http://schemas.microsoft.com/office/drawing/2014/main" id="{51FE3251-0950-4D22-AC3D-3CAA416C37F7}"/>
+              </a:ext>
+            </a:extLst>
+          </p:cNvPr>
+          <p:cNvSpPr>
+            <a:spLocks noGrp="1"/>
+          </p:cNvSpPr>
+          <p:nvPr>
+            <p:ph type="ctrTitle"/>
+          </p:nvPr>
+        </p:nvSpPr>
+        <p:spPr/>
+        <p:txBody>
+          <a:bodyPr/>
+          <a:lstStyle/>
+          <a:p>
+            <a:r>
+              <a:rPr lang="en-US" sz="6000" dirty="0"/>
+              <a:t>Thank you</a:t>
+            </a:r>
+          </a:p>
+        </p:txBody>
+      </p:sp>
+    </p:spTree>
+    <p:extLst>
+      <p:ext uri="{BB962C8B-B14F-4D97-AF65-F5344CB8AC3E}">
+        <p14:creationId xmlns:p14="http://schemas.microsoft.com/office/powerpoint/2010/main" val="3334191733"/>
+      </p:ext>
+    </p:extLst>
+  </p:cSld>
+  <p:clrMapOvr>
+    <a:masterClrMapping/>
+  </p:clrMapOvr>
 </p:sld>
 </file>
 
@@ -21860,6 +23349,283 @@
   <p:clrMapOvr>
     <a:masterClrMapping/>
   </p:clrMapOvr>
+  <p:timing>
+    <p:tnLst>
+      <p:par>
+        <p:cTn id="1" dur="indefinite" restart="never" nodeType="tmRoot">
+          <p:childTnLst>
+            <p:seq concurrent="1" nextAc="seek">
+              <p:cTn id="2" dur="indefinite" nodeType="mainSeq">
+                <p:childTnLst>
+                  <p:par>
+                    <p:cTn id="3" fill="hold">
+                      <p:stCondLst>
+                        <p:cond delay="indefinite"/>
+                      </p:stCondLst>
+                      <p:childTnLst>
+                        <p:par>
+                          <p:cTn id="4" fill="hold">
+                            <p:stCondLst>
+                              <p:cond delay="0"/>
+                            </p:stCondLst>
+                            <p:childTnLst>
+                              <p:par>
+                                <p:cTn id="5" presetID="10" presetClass="entr" presetSubtype="0" fill="hold" grpId="0" nodeType="clickEffect">
+                                  <p:stCondLst>
+                                    <p:cond delay="0"/>
+                                  </p:stCondLst>
+                                  <p:childTnLst>
+                                    <p:set>
+                                      <p:cBhvr>
+                                        <p:cTn id="6" dur="1" fill="hold">
+                                          <p:stCondLst>
+                                            <p:cond delay="0"/>
+                                          </p:stCondLst>
+                                        </p:cTn>
+                                        <p:tgtEl>
+                                          <p:spTgt spid="3">
+                                            <p:txEl>
+                                              <p:pRg st="0" end="0"/>
+                                            </p:txEl>
+                                          </p:spTgt>
+                                        </p:tgtEl>
+                                        <p:attrNameLst>
+                                          <p:attrName>style.visibility</p:attrName>
+                                        </p:attrNameLst>
+                                      </p:cBhvr>
+                                      <p:to>
+                                        <p:strVal val="visible"/>
+                                      </p:to>
+                                    </p:set>
+                                    <p:animEffect transition="in" filter="fade">
+                                      <p:cBhvr>
+                                        <p:cTn id="7" dur="500"/>
+                                        <p:tgtEl>
+                                          <p:spTgt spid="3">
+                                            <p:txEl>
+                                              <p:pRg st="0" end="0"/>
+                                            </p:txEl>
+                                          </p:spTgt>
+                                        </p:tgtEl>
+                                      </p:cBhvr>
+                                    </p:animEffect>
+                                  </p:childTnLst>
+                                </p:cTn>
+                              </p:par>
+                            </p:childTnLst>
+                          </p:cTn>
+                        </p:par>
+                      </p:childTnLst>
+                    </p:cTn>
+                  </p:par>
+                  <p:par>
+                    <p:cTn id="8" fill="hold">
+                      <p:stCondLst>
+                        <p:cond delay="indefinite"/>
+                      </p:stCondLst>
+                      <p:childTnLst>
+                        <p:par>
+                          <p:cTn id="9" fill="hold">
+                            <p:stCondLst>
+                              <p:cond delay="0"/>
+                            </p:stCondLst>
+                            <p:childTnLst>
+                              <p:par>
+                                <p:cTn id="10" presetID="10" presetClass="entr" presetSubtype="0" fill="hold" grpId="0" nodeType="clickEffect">
+                                  <p:stCondLst>
+                                    <p:cond delay="0"/>
+                                  </p:stCondLst>
+                                  <p:childTnLst>
+                                    <p:set>
+                                      <p:cBhvr>
+                                        <p:cTn id="11" dur="1" fill="hold">
+                                          <p:stCondLst>
+                                            <p:cond delay="0"/>
+                                          </p:stCondLst>
+                                        </p:cTn>
+                                        <p:tgtEl>
+                                          <p:spTgt spid="3">
+                                            <p:txEl>
+                                              <p:pRg st="2" end="2"/>
+                                            </p:txEl>
+                                          </p:spTgt>
+                                        </p:tgtEl>
+                                        <p:attrNameLst>
+                                          <p:attrName>style.visibility</p:attrName>
+                                        </p:attrNameLst>
+                                      </p:cBhvr>
+                                      <p:to>
+                                        <p:strVal val="visible"/>
+                                      </p:to>
+                                    </p:set>
+                                    <p:animEffect transition="in" filter="fade">
+                                      <p:cBhvr>
+                                        <p:cTn id="12" dur="500"/>
+                                        <p:tgtEl>
+                                          <p:spTgt spid="3">
+                                            <p:txEl>
+                                              <p:pRg st="2" end="2"/>
+                                            </p:txEl>
+                                          </p:spTgt>
+                                        </p:tgtEl>
+                                      </p:cBhvr>
+                                    </p:animEffect>
+                                  </p:childTnLst>
+                                </p:cTn>
+                              </p:par>
+                            </p:childTnLst>
+                          </p:cTn>
+                        </p:par>
+                      </p:childTnLst>
+                    </p:cTn>
+                  </p:par>
+                  <p:par>
+                    <p:cTn id="13" fill="hold">
+                      <p:stCondLst>
+                        <p:cond delay="indefinite"/>
+                      </p:stCondLst>
+                      <p:childTnLst>
+                        <p:par>
+                          <p:cTn id="14" fill="hold">
+                            <p:stCondLst>
+                              <p:cond delay="0"/>
+                            </p:stCondLst>
+                            <p:childTnLst>
+                              <p:par>
+                                <p:cTn id="15" presetID="10" presetClass="entr" presetSubtype="0" fill="hold" grpId="0" nodeType="clickEffect">
+                                  <p:stCondLst>
+                                    <p:cond delay="0"/>
+                                  </p:stCondLst>
+                                  <p:childTnLst>
+                                    <p:set>
+                                      <p:cBhvr>
+                                        <p:cTn id="16" dur="1" fill="hold">
+                                          <p:stCondLst>
+                                            <p:cond delay="0"/>
+                                          </p:stCondLst>
+                                        </p:cTn>
+                                        <p:tgtEl>
+                                          <p:spTgt spid="3">
+                                            <p:txEl>
+                                              <p:pRg st="4" end="4"/>
+                                            </p:txEl>
+                                          </p:spTgt>
+                                        </p:tgtEl>
+                                        <p:attrNameLst>
+                                          <p:attrName>style.visibility</p:attrName>
+                                        </p:attrNameLst>
+                                      </p:cBhvr>
+                                      <p:to>
+                                        <p:strVal val="visible"/>
+                                      </p:to>
+                                    </p:set>
+                                    <p:animEffect transition="in" filter="fade">
+                                      <p:cBhvr>
+                                        <p:cTn id="17" dur="500"/>
+                                        <p:tgtEl>
+                                          <p:spTgt spid="3">
+                                            <p:txEl>
+                                              <p:pRg st="4" end="4"/>
+                                            </p:txEl>
+                                          </p:spTgt>
+                                        </p:tgtEl>
+                                      </p:cBhvr>
+                                    </p:animEffect>
+                                  </p:childTnLst>
+                                </p:cTn>
+                              </p:par>
+                            </p:childTnLst>
+                          </p:cTn>
+                        </p:par>
+                      </p:childTnLst>
+                    </p:cTn>
+                  </p:par>
+                  <p:par>
+                    <p:cTn id="18" fill="hold">
+                      <p:stCondLst>
+                        <p:cond delay="indefinite"/>
+                      </p:stCondLst>
+                      <p:childTnLst>
+                        <p:par>
+                          <p:cTn id="19" fill="hold">
+                            <p:stCondLst>
+                              <p:cond delay="0"/>
+                            </p:stCondLst>
+                            <p:childTnLst>
+                              <p:par>
+                                <p:cTn id="20" presetID="10" presetClass="entr" presetSubtype="0" fill="hold" grpId="0" nodeType="clickEffect">
+                                  <p:stCondLst>
+                                    <p:cond delay="0"/>
+                                  </p:stCondLst>
+                                  <p:childTnLst>
+                                    <p:set>
+                                      <p:cBhvr>
+                                        <p:cTn id="21" dur="1" fill="hold">
+                                          <p:stCondLst>
+                                            <p:cond delay="0"/>
+                                          </p:stCondLst>
+                                        </p:cTn>
+                                        <p:tgtEl>
+                                          <p:spTgt spid="3">
+                                            <p:txEl>
+                                              <p:pRg st="6" end="6"/>
+                                            </p:txEl>
+                                          </p:spTgt>
+                                        </p:tgtEl>
+                                        <p:attrNameLst>
+                                          <p:attrName>style.visibility</p:attrName>
+                                        </p:attrNameLst>
+                                      </p:cBhvr>
+                                      <p:to>
+                                        <p:strVal val="visible"/>
+                                      </p:to>
+                                    </p:set>
+                                    <p:animEffect transition="in" filter="fade">
+                                      <p:cBhvr>
+                                        <p:cTn id="22" dur="500"/>
+                                        <p:tgtEl>
+                                          <p:spTgt spid="3">
+                                            <p:txEl>
+                                              <p:pRg st="6" end="6"/>
+                                            </p:txEl>
+                                          </p:spTgt>
+                                        </p:tgtEl>
+                                      </p:cBhvr>
+                                    </p:animEffect>
+                                  </p:childTnLst>
+                                </p:cTn>
+                              </p:par>
+                            </p:childTnLst>
+                          </p:cTn>
+                        </p:par>
+                      </p:childTnLst>
+                    </p:cTn>
+                  </p:par>
+                </p:childTnLst>
+              </p:cTn>
+              <p:prevCondLst>
+                <p:cond evt="onPrev" delay="0">
+                  <p:tgtEl>
+                    <p:sldTgt/>
+                  </p:tgtEl>
+                </p:cond>
+              </p:prevCondLst>
+              <p:nextCondLst>
+                <p:cond evt="onNext" delay="0">
+                  <p:tgtEl>
+                    <p:sldTgt/>
+                  </p:tgtEl>
+                </p:cond>
+              </p:nextCondLst>
+            </p:seq>
+          </p:childTnLst>
+        </p:cTn>
+      </p:par>
+    </p:tnLst>
+    <p:bldLst>
+      <p:bldP spid="3" grpId="0" build="p"/>
+    </p:bldLst>
+  </p:timing>
 </p:sld>
 </file>
 
@@ -22014,6 +23780,222 @@
   <p:clrMapOvr>
     <a:masterClrMapping/>
   </p:clrMapOvr>
+  <p:timing>
+    <p:tnLst>
+      <p:par>
+        <p:cTn id="1" dur="indefinite" restart="never" nodeType="tmRoot">
+          <p:childTnLst>
+            <p:seq concurrent="1" nextAc="seek">
+              <p:cTn id="2" dur="indefinite" nodeType="mainSeq">
+                <p:childTnLst>
+                  <p:par>
+                    <p:cTn id="3" fill="hold">
+                      <p:stCondLst>
+                        <p:cond delay="indefinite"/>
+                      </p:stCondLst>
+                      <p:childTnLst>
+                        <p:par>
+                          <p:cTn id="4" fill="hold">
+                            <p:stCondLst>
+                              <p:cond delay="0"/>
+                            </p:stCondLst>
+                            <p:childTnLst>
+                              <p:par>
+                                <p:cTn id="5" presetID="10" presetClass="entr" presetSubtype="0" fill="hold" grpId="0" nodeType="clickEffect">
+                                  <p:stCondLst>
+                                    <p:cond delay="0"/>
+                                  </p:stCondLst>
+                                  <p:childTnLst>
+                                    <p:set>
+                                      <p:cBhvr>
+                                        <p:cTn id="6" dur="1" fill="hold">
+                                          <p:stCondLst>
+                                            <p:cond delay="0"/>
+                                          </p:stCondLst>
+                                        </p:cTn>
+                                        <p:tgtEl>
+                                          <p:spTgt spid="3">
+                                            <p:txEl>
+                                              <p:pRg st="0" end="0"/>
+                                            </p:txEl>
+                                          </p:spTgt>
+                                        </p:tgtEl>
+                                        <p:attrNameLst>
+                                          <p:attrName>style.visibility</p:attrName>
+                                        </p:attrNameLst>
+                                      </p:cBhvr>
+                                      <p:to>
+                                        <p:strVal val="visible"/>
+                                      </p:to>
+                                    </p:set>
+                                    <p:animEffect transition="in" filter="fade">
+                                      <p:cBhvr>
+                                        <p:cTn id="7" dur="500"/>
+                                        <p:tgtEl>
+                                          <p:spTgt spid="3">
+                                            <p:txEl>
+                                              <p:pRg st="0" end="0"/>
+                                            </p:txEl>
+                                          </p:spTgt>
+                                        </p:tgtEl>
+                                      </p:cBhvr>
+                                    </p:animEffect>
+                                  </p:childTnLst>
+                                </p:cTn>
+                              </p:par>
+                            </p:childTnLst>
+                          </p:cTn>
+                        </p:par>
+                      </p:childTnLst>
+                    </p:cTn>
+                  </p:par>
+                  <p:par>
+                    <p:cTn id="8" fill="hold">
+                      <p:stCondLst>
+                        <p:cond delay="indefinite"/>
+                      </p:stCondLst>
+                      <p:childTnLst>
+                        <p:par>
+                          <p:cTn id="9" fill="hold">
+                            <p:stCondLst>
+                              <p:cond delay="0"/>
+                            </p:stCondLst>
+                            <p:childTnLst>
+                              <p:par>
+                                <p:cTn id="10" presetID="10" presetClass="entr" presetSubtype="0" fill="hold" grpId="0" nodeType="clickEffect">
+                                  <p:stCondLst>
+                                    <p:cond delay="0"/>
+                                  </p:stCondLst>
+                                  <p:childTnLst>
+                                    <p:set>
+                                      <p:cBhvr>
+                                        <p:cTn id="11" dur="1" fill="hold">
+                                          <p:stCondLst>
+                                            <p:cond delay="0"/>
+                                          </p:stCondLst>
+                                        </p:cTn>
+                                        <p:tgtEl>
+                                          <p:spTgt spid="3">
+                                            <p:txEl>
+                                              <p:pRg st="2" end="2"/>
+                                            </p:txEl>
+                                          </p:spTgt>
+                                        </p:tgtEl>
+                                        <p:attrNameLst>
+                                          <p:attrName>style.visibility</p:attrName>
+                                        </p:attrNameLst>
+                                      </p:cBhvr>
+                                      <p:to>
+                                        <p:strVal val="visible"/>
+                                      </p:to>
+                                    </p:set>
+                                    <p:animEffect transition="in" filter="fade">
+                                      <p:cBhvr>
+                                        <p:cTn id="12" dur="500"/>
+                                        <p:tgtEl>
+                                          <p:spTgt spid="3">
+                                            <p:txEl>
+                                              <p:pRg st="2" end="2"/>
+                                            </p:txEl>
+                                          </p:spTgt>
+                                        </p:tgtEl>
+                                      </p:cBhvr>
+                                    </p:animEffect>
+                                  </p:childTnLst>
+                                </p:cTn>
+                              </p:par>
+                            </p:childTnLst>
+                          </p:cTn>
+                        </p:par>
+                      </p:childTnLst>
+                    </p:cTn>
+                  </p:par>
+                  <p:par>
+                    <p:cTn id="13" fill="hold">
+                      <p:stCondLst>
+                        <p:cond delay="indefinite"/>
+                      </p:stCondLst>
+                      <p:childTnLst>
+                        <p:par>
+                          <p:cTn id="14" fill="hold">
+                            <p:stCondLst>
+                              <p:cond delay="0"/>
+                            </p:stCondLst>
+                            <p:childTnLst>
+                              <p:par>
+                                <p:cTn id="15" presetID="10" presetClass="entr" presetSubtype="0" fill="hold" grpId="0" nodeType="clickEffect">
+                                  <p:stCondLst>
+                                    <p:cond delay="0"/>
+                                  </p:stCondLst>
+                                  <p:childTnLst>
+                                    <p:set>
+                                      <p:cBhvr>
+                                        <p:cTn id="16" dur="1" fill="hold">
+                                          <p:stCondLst>
+                                            <p:cond delay="0"/>
+                                          </p:stCondLst>
+                                        </p:cTn>
+                                        <p:tgtEl>
+                                          <p:spTgt spid="3">
+                                            <p:txEl>
+                                              <p:pRg st="4" end="4"/>
+                                            </p:txEl>
+                                          </p:spTgt>
+                                        </p:tgtEl>
+                                        <p:attrNameLst>
+                                          <p:attrName>style.visibility</p:attrName>
+                                        </p:attrNameLst>
+                                      </p:cBhvr>
+                                      <p:to>
+                                        <p:strVal val="visible"/>
+                                      </p:to>
+                                    </p:set>
+                                    <p:animEffect transition="in" filter="fade">
+                                      <p:cBhvr>
+                                        <p:cTn id="17" dur="500"/>
+                                        <p:tgtEl>
+                                          <p:spTgt spid="3">
+                                            <p:txEl>
+                                              <p:pRg st="4" end="4"/>
+                                            </p:txEl>
+                                          </p:spTgt>
+                                        </p:tgtEl>
+                                      </p:cBhvr>
+                                    </p:animEffect>
+                                  </p:childTnLst>
+                                </p:cTn>
+                              </p:par>
+                            </p:childTnLst>
+                          </p:cTn>
+                        </p:par>
+                      </p:childTnLst>
+                    </p:cTn>
+                  </p:par>
+                </p:childTnLst>
+              </p:cTn>
+              <p:prevCondLst>
+                <p:cond evt="onPrev" delay="0">
+                  <p:tgtEl>
+                    <p:sldTgt/>
+                  </p:tgtEl>
+                </p:cond>
+              </p:prevCondLst>
+              <p:nextCondLst>
+                <p:cond evt="onNext" delay="0">
+                  <p:tgtEl>
+                    <p:sldTgt/>
+                  </p:tgtEl>
+                </p:cond>
+              </p:nextCondLst>
+            </p:seq>
+          </p:childTnLst>
+        </p:cTn>
+      </p:par>
+    </p:tnLst>
+    <p:bldLst>
+      <p:bldP spid="3" grpId="0" build="p"/>
+    </p:bldLst>
+  </p:timing>
 </p:sld>
 </file>
 
@@ -22252,6 +24234,703 @@
   <p:clrMapOvr>
     <a:masterClrMapping/>
   </p:clrMapOvr>
+  <p:timing>
+    <p:tnLst>
+      <p:par>
+        <p:cTn id="1" dur="indefinite" restart="never" nodeType="tmRoot">
+          <p:childTnLst>
+            <p:seq concurrent="1" nextAc="seek">
+              <p:cTn id="2" dur="indefinite" nodeType="mainSeq">
+                <p:childTnLst>
+                  <p:par>
+                    <p:cTn id="3" fill="hold">
+                      <p:stCondLst>
+                        <p:cond delay="indefinite"/>
+                      </p:stCondLst>
+                      <p:childTnLst>
+                        <p:par>
+                          <p:cTn id="4" fill="hold">
+                            <p:stCondLst>
+                              <p:cond delay="0"/>
+                            </p:stCondLst>
+                            <p:childTnLst>
+                              <p:par>
+                                <p:cTn id="5" presetID="10" presetClass="entr" presetSubtype="0" fill="hold" grpId="0" nodeType="clickEffect">
+                                  <p:stCondLst>
+                                    <p:cond delay="0"/>
+                                  </p:stCondLst>
+                                  <p:childTnLst>
+                                    <p:set>
+                                      <p:cBhvr>
+                                        <p:cTn id="6" dur="1" fill="hold">
+                                          <p:stCondLst>
+                                            <p:cond delay="0"/>
+                                          </p:stCondLst>
+                                        </p:cTn>
+                                        <p:tgtEl>
+                                          <p:spTgt spid="3">
+                                            <p:txEl>
+                                              <p:pRg st="0" end="0"/>
+                                            </p:txEl>
+                                          </p:spTgt>
+                                        </p:tgtEl>
+                                        <p:attrNameLst>
+                                          <p:attrName>style.visibility</p:attrName>
+                                        </p:attrNameLst>
+                                      </p:cBhvr>
+                                      <p:to>
+                                        <p:strVal val="visible"/>
+                                      </p:to>
+                                    </p:set>
+                                    <p:animEffect transition="in" filter="fade">
+                                      <p:cBhvr>
+                                        <p:cTn id="7" dur="500"/>
+                                        <p:tgtEl>
+                                          <p:spTgt spid="3">
+                                            <p:txEl>
+                                              <p:pRg st="0" end="0"/>
+                                            </p:txEl>
+                                          </p:spTgt>
+                                        </p:tgtEl>
+                                      </p:cBhvr>
+                                    </p:animEffect>
+                                  </p:childTnLst>
+                                </p:cTn>
+                              </p:par>
+                            </p:childTnLst>
+                          </p:cTn>
+                        </p:par>
+                      </p:childTnLst>
+                    </p:cTn>
+                  </p:par>
+                  <p:par>
+                    <p:cTn id="8" fill="hold">
+                      <p:stCondLst>
+                        <p:cond delay="indefinite"/>
+                      </p:stCondLst>
+                      <p:childTnLst>
+                        <p:par>
+                          <p:cTn id="9" fill="hold">
+                            <p:stCondLst>
+                              <p:cond delay="0"/>
+                            </p:stCondLst>
+                            <p:childTnLst>
+                              <p:par>
+                                <p:cTn id="10" presetID="10" presetClass="entr" presetSubtype="0" fill="hold" grpId="0" nodeType="clickEffect">
+                                  <p:stCondLst>
+                                    <p:cond delay="0"/>
+                                  </p:stCondLst>
+                                  <p:childTnLst>
+                                    <p:set>
+                                      <p:cBhvr>
+                                        <p:cTn id="11" dur="1" fill="hold">
+                                          <p:stCondLst>
+                                            <p:cond delay="0"/>
+                                          </p:stCondLst>
+                                        </p:cTn>
+                                        <p:tgtEl>
+                                          <p:spTgt spid="3">
+                                            <p:txEl>
+                                              <p:pRg st="2" end="2"/>
+                                            </p:txEl>
+                                          </p:spTgt>
+                                        </p:tgtEl>
+                                        <p:attrNameLst>
+                                          <p:attrName>style.visibility</p:attrName>
+                                        </p:attrNameLst>
+                                      </p:cBhvr>
+                                      <p:to>
+                                        <p:strVal val="visible"/>
+                                      </p:to>
+                                    </p:set>
+                                    <p:animEffect transition="in" filter="fade">
+                                      <p:cBhvr>
+                                        <p:cTn id="12" dur="500"/>
+                                        <p:tgtEl>
+                                          <p:spTgt spid="3">
+                                            <p:txEl>
+                                              <p:pRg st="2" end="2"/>
+                                            </p:txEl>
+                                          </p:spTgt>
+                                        </p:tgtEl>
+                                      </p:cBhvr>
+                                    </p:animEffect>
+                                  </p:childTnLst>
+                                </p:cTn>
+                              </p:par>
+                            </p:childTnLst>
+                          </p:cTn>
+                        </p:par>
+                      </p:childTnLst>
+                    </p:cTn>
+                  </p:par>
+                  <p:par>
+                    <p:cTn id="13" fill="hold">
+                      <p:stCondLst>
+                        <p:cond delay="indefinite"/>
+                      </p:stCondLst>
+                      <p:childTnLst>
+                        <p:par>
+                          <p:cTn id="14" fill="hold">
+                            <p:stCondLst>
+                              <p:cond delay="0"/>
+                            </p:stCondLst>
+                            <p:childTnLst>
+                              <p:par>
+                                <p:cTn id="15" presetID="10" presetClass="entr" presetSubtype="0" fill="hold" grpId="0" nodeType="clickEffect">
+                                  <p:stCondLst>
+                                    <p:cond delay="0"/>
+                                  </p:stCondLst>
+                                  <p:childTnLst>
+                                    <p:set>
+                                      <p:cBhvr>
+                                        <p:cTn id="16" dur="1" fill="hold">
+                                          <p:stCondLst>
+                                            <p:cond delay="0"/>
+                                          </p:stCondLst>
+                                        </p:cTn>
+                                        <p:tgtEl>
+                                          <p:spTgt spid="3">
+                                            <p:txEl>
+                                              <p:pRg st="3" end="3"/>
+                                            </p:txEl>
+                                          </p:spTgt>
+                                        </p:tgtEl>
+                                        <p:attrNameLst>
+                                          <p:attrName>style.visibility</p:attrName>
+                                        </p:attrNameLst>
+                                      </p:cBhvr>
+                                      <p:to>
+                                        <p:strVal val="visible"/>
+                                      </p:to>
+                                    </p:set>
+                                    <p:animEffect transition="in" filter="fade">
+                                      <p:cBhvr>
+                                        <p:cTn id="17" dur="500"/>
+                                        <p:tgtEl>
+                                          <p:spTgt spid="3">
+                                            <p:txEl>
+                                              <p:pRg st="3" end="3"/>
+                                            </p:txEl>
+                                          </p:spTgt>
+                                        </p:tgtEl>
+                                      </p:cBhvr>
+                                    </p:animEffect>
+                                  </p:childTnLst>
+                                </p:cTn>
+                              </p:par>
+                            </p:childTnLst>
+                          </p:cTn>
+                        </p:par>
+                      </p:childTnLst>
+                    </p:cTn>
+                  </p:par>
+                  <p:par>
+                    <p:cTn id="18" fill="hold">
+                      <p:stCondLst>
+                        <p:cond delay="indefinite"/>
+                      </p:stCondLst>
+                      <p:childTnLst>
+                        <p:par>
+                          <p:cTn id="19" fill="hold">
+                            <p:stCondLst>
+                              <p:cond delay="0"/>
+                            </p:stCondLst>
+                            <p:childTnLst>
+                              <p:par>
+                                <p:cTn id="20" presetID="10" presetClass="entr" presetSubtype="0" fill="hold" grpId="0" nodeType="clickEffect">
+                                  <p:stCondLst>
+                                    <p:cond delay="0"/>
+                                  </p:stCondLst>
+                                  <p:childTnLst>
+                                    <p:set>
+                                      <p:cBhvr>
+                                        <p:cTn id="21" dur="1" fill="hold">
+                                          <p:stCondLst>
+                                            <p:cond delay="0"/>
+                                          </p:stCondLst>
+                                        </p:cTn>
+                                        <p:tgtEl>
+                                          <p:spTgt spid="3">
+                                            <p:txEl>
+                                              <p:pRg st="4" end="4"/>
+                                            </p:txEl>
+                                          </p:spTgt>
+                                        </p:tgtEl>
+                                        <p:attrNameLst>
+                                          <p:attrName>style.visibility</p:attrName>
+                                        </p:attrNameLst>
+                                      </p:cBhvr>
+                                      <p:to>
+                                        <p:strVal val="visible"/>
+                                      </p:to>
+                                    </p:set>
+                                    <p:animEffect transition="in" filter="fade">
+                                      <p:cBhvr>
+                                        <p:cTn id="22" dur="500"/>
+                                        <p:tgtEl>
+                                          <p:spTgt spid="3">
+                                            <p:txEl>
+                                              <p:pRg st="4" end="4"/>
+                                            </p:txEl>
+                                          </p:spTgt>
+                                        </p:tgtEl>
+                                      </p:cBhvr>
+                                    </p:animEffect>
+                                  </p:childTnLst>
+                                </p:cTn>
+                              </p:par>
+                            </p:childTnLst>
+                          </p:cTn>
+                        </p:par>
+                      </p:childTnLst>
+                    </p:cTn>
+                  </p:par>
+                  <p:par>
+                    <p:cTn id="23" fill="hold">
+                      <p:stCondLst>
+                        <p:cond delay="indefinite"/>
+                      </p:stCondLst>
+                      <p:childTnLst>
+                        <p:par>
+                          <p:cTn id="24" fill="hold">
+                            <p:stCondLst>
+                              <p:cond delay="0"/>
+                            </p:stCondLst>
+                            <p:childTnLst>
+                              <p:par>
+                                <p:cTn id="25" presetID="10" presetClass="entr" presetSubtype="0" fill="hold" grpId="0" nodeType="clickEffect">
+                                  <p:stCondLst>
+                                    <p:cond delay="0"/>
+                                  </p:stCondLst>
+                                  <p:childTnLst>
+                                    <p:set>
+                                      <p:cBhvr>
+                                        <p:cTn id="26" dur="1" fill="hold">
+                                          <p:stCondLst>
+                                            <p:cond delay="0"/>
+                                          </p:stCondLst>
+                                        </p:cTn>
+                                        <p:tgtEl>
+                                          <p:spTgt spid="3">
+                                            <p:txEl>
+                                              <p:pRg st="5" end="5"/>
+                                            </p:txEl>
+                                          </p:spTgt>
+                                        </p:tgtEl>
+                                        <p:attrNameLst>
+                                          <p:attrName>style.visibility</p:attrName>
+                                        </p:attrNameLst>
+                                      </p:cBhvr>
+                                      <p:to>
+                                        <p:strVal val="visible"/>
+                                      </p:to>
+                                    </p:set>
+                                    <p:animEffect transition="in" filter="fade">
+                                      <p:cBhvr>
+                                        <p:cTn id="27" dur="500"/>
+                                        <p:tgtEl>
+                                          <p:spTgt spid="3">
+                                            <p:txEl>
+                                              <p:pRg st="5" end="5"/>
+                                            </p:txEl>
+                                          </p:spTgt>
+                                        </p:tgtEl>
+                                      </p:cBhvr>
+                                    </p:animEffect>
+                                  </p:childTnLst>
+                                </p:cTn>
+                              </p:par>
+                            </p:childTnLst>
+                          </p:cTn>
+                        </p:par>
+                      </p:childTnLst>
+                    </p:cTn>
+                  </p:par>
+                  <p:par>
+                    <p:cTn id="28" fill="hold">
+                      <p:stCondLst>
+                        <p:cond delay="indefinite"/>
+                      </p:stCondLst>
+                      <p:childTnLst>
+                        <p:par>
+                          <p:cTn id="29" fill="hold">
+                            <p:stCondLst>
+                              <p:cond delay="0"/>
+                            </p:stCondLst>
+                            <p:childTnLst>
+                              <p:par>
+                                <p:cTn id="30" presetID="10" presetClass="entr" presetSubtype="0" fill="hold" grpId="0" nodeType="clickEffect">
+                                  <p:stCondLst>
+                                    <p:cond delay="0"/>
+                                  </p:stCondLst>
+                                  <p:childTnLst>
+                                    <p:set>
+                                      <p:cBhvr>
+                                        <p:cTn id="31" dur="1" fill="hold">
+                                          <p:stCondLst>
+                                            <p:cond delay="0"/>
+                                          </p:stCondLst>
+                                        </p:cTn>
+                                        <p:tgtEl>
+                                          <p:spTgt spid="3">
+                                            <p:txEl>
+                                              <p:pRg st="6" end="6"/>
+                                            </p:txEl>
+                                          </p:spTgt>
+                                        </p:tgtEl>
+                                        <p:attrNameLst>
+                                          <p:attrName>style.visibility</p:attrName>
+                                        </p:attrNameLst>
+                                      </p:cBhvr>
+                                      <p:to>
+                                        <p:strVal val="visible"/>
+                                      </p:to>
+                                    </p:set>
+                                    <p:animEffect transition="in" filter="fade">
+                                      <p:cBhvr>
+                                        <p:cTn id="32" dur="500"/>
+                                        <p:tgtEl>
+                                          <p:spTgt spid="3">
+                                            <p:txEl>
+                                              <p:pRg st="6" end="6"/>
+                                            </p:txEl>
+                                          </p:spTgt>
+                                        </p:tgtEl>
+                                      </p:cBhvr>
+                                    </p:animEffect>
+                                  </p:childTnLst>
+                                </p:cTn>
+                              </p:par>
+                            </p:childTnLst>
+                          </p:cTn>
+                        </p:par>
+                      </p:childTnLst>
+                    </p:cTn>
+                  </p:par>
+                  <p:par>
+                    <p:cTn id="33" fill="hold">
+                      <p:stCondLst>
+                        <p:cond delay="indefinite"/>
+                      </p:stCondLst>
+                      <p:childTnLst>
+                        <p:par>
+                          <p:cTn id="34" fill="hold">
+                            <p:stCondLst>
+                              <p:cond delay="0"/>
+                            </p:stCondLst>
+                            <p:childTnLst>
+                              <p:par>
+                                <p:cTn id="35" presetID="10" presetClass="entr" presetSubtype="0" fill="hold" grpId="0" nodeType="clickEffect">
+                                  <p:stCondLst>
+                                    <p:cond delay="0"/>
+                                  </p:stCondLst>
+                                  <p:childTnLst>
+                                    <p:set>
+                                      <p:cBhvr>
+                                        <p:cTn id="36" dur="1" fill="hold">
+                                          <p:stCondLst>
+                                            <p:cond delay="0"/>
+                                          </p:stCondLst>
+                                        </p:cTn>
+                                        <p:tgtEl>
+                                          <p:spTgt spid="3">
+                                            <p:txEl>
+                                              <p:pRg st="7" end="7"/>
+                                            </p:txEl>
+                                          </p:spTgt>
+                                        </p:tgtEl>
+                                        <p:attrNameLst>
+                                          <p:attrName>style.visibility</p:attrName>
+                                        </p:attrNameLst>
+                                      </p:cBhvr>
+                                      <p:to>
+                                        <p:strVal val="visible"/>
+                                      </p:to>
+                                    </p:set>
+                                    <p:animEffect transition="in" filter="fade">
+                                      <p:cBhvr>
+                                        <p:cTn id="37" dur="500"/>
+                                        <p:tgtEl>
+                                          <p:spTgt spid="3">
+                                            <p:txEl>
+                                              <p:pRg st="7" end="7"/>
+                                            </p:txEl>
+                                          </p:spTgt>
+                                        </p:tgtEl>
+                                      </p:cBhvr>
+                                    </p:animEffect>
+                                  </p:childTnLst>
+                                </p:cTn>
+                              </p:par>
+                            </p:childTnLst>
+                          </p:cTn>
+                        </p:par>
+                      </p:childTnLst>
+                    </p:cTn>
+                  </p:par>
+                  <p:par>
+                    <p:cTn id="38" fill="hold">
+                      <p:stCondLst>
+                        <p:cond delay="indefinite"/>
+                      </p:stCondLst>
+                      <p:childTnLst>
+                        <p:par>
+                          <p:cTn id="39" fill="hold">
+                            <p:stCondLst>
+                              <p:cond delay="0"/>
+                            </p:stCondLst>
+                            <p:childTnLst>
+                              <p:par>
+                                <p:cTn id="40" presetID="10" presetClass="entr" presetSubtype="0" fill="hold" grpId="0" nodeType="clickEffect">
+                                  <p:stCondLst>
+                                    <p:cond delay="0"/>
+                                  </p:stCondLst>
+                                  <p:childTnLst>
+                                    <p:set>
+                                      <p:cBhvr>
+                                        <p:cTn id="41" dur="1" fill="hold">
+                                          <p:stCondLst>
+                                            <p:cond delay="0"/>
+                                          </p:stCondLst>
+                                        </p:cTn>
+                                        <p:tgtEl>
+                                          <p:spTgt spid="3">
+                                            <p:txEl>
+                                              <p:pRg st="8" end="8"/>
+                                            </p:txEl>
+                                          </p:spTgt>
+                                        </p:tgtEl>
+                                        <p:attrNameLst>
+                                          <p:attrName>style.visibility</p:attrName>
+                                        </p:attrNameLst>
+                                      </p:cBhvr>
+                                      <p:to>
+                                        <p:strVal val="visible"/>
+                                      </p:to>
+                                    </p:set>
+                                    <p:animEffect transition="in" filter="fade">
+                                      <p:cBhvr>
+                                        <p:cTn id="42" dur="500"/>
+                                        <p:tgtEl>
+                                          <p:spTgt spid="3">
+                                            <p:txEl>
+                                              <p:pRg st="8" end="8"/>
+                                            </p:txEl>
+                                          </p:spTgt>
+                                        </p:tgtEl>
+                                      </p:cBhvr>
+                                    </p:animEffect>
+                                  </p:childTnLst>
+                                </p:cTn>
+                              </p:par>
+                            </p:childTnLst>
+                          </p:cTn>
+                        </p:par>
+                      </p:childTnLst>
+                    </p:cTn>
+                  </p:par>
+                  <p:par>
+                    <p:cTn id="43" fill="hold">
+                      <p:stCondLst>
+                        <p:cond delay="indefinite"/>
+                      </p:stCondLst>
+                      <p:childTnLst>
+                        <p:par>
+                          <p:cTn id="44" fill="hold">
+                            <p:stCondLst>
+                              <p:cond delay="0"/>
+                            </p:stCondLst>
+                            <p:childTnLst>
+                              <p:par>
+                                <p:cTn id="45" presetID="10" presetClass="entr" presetSubtype="0" fill="hold" grpId="0" nodeType="clickEffect">
+                                  <p:stCondLst>
+                                    <p:cond delay="0"/>
+                                  </p:stCondLst>
+                                  <p:childTnLst>
+                                    <p:set>
+                                      <p:cBhvr>
+                                        <p:cTn id="46" dur="1" fill="hold">
+                                          <p:stCondLst>
+                                            <p:cond delay="0"/>
+                                          </p:stCondLst>
+                                        </p:cTn>
+                                        <p:tgtEl>
+                                          <p:spTgt spid="3">
+                                            <p:txEl>
+                                              <p:pRg st="9" end="9"/>
+                                            </p:txEl>
+                                          </p:spTgt>
+                                        </p:tgtEl>
+                                        <p:attrNameLst>
+                                          <p:attrName>style.visibility</p:attrName>
+                                        </p:attrNameLst>
+                                      </p:cBhvr>
+                                      <p:to>
+                                        <p:strVal val="visible"/>
+                                      </p:to>
+                                    </p:set>
+                                    <p:animEffect transition="in" filter="fade">
+                                      <p:cBhvr>
+                                        <p:cTn id="47" dur="500"/>
+                                        <p:tgtEl>
+                                          <p:spTgt spid="3">
+                                            <p:txEl>
+                                              <p:pRg st="9" end="9"/>
+                                            </p:txEl>
+                                          </p:spTgt>
+                                        </p:tgtEl>
+                                      </p:cBhvr>
+                                    </p:animEffect>
+                                  </p:childTnLst>
+                                </p:cTn>
+                              </p:par>
+                            </p:childTnLst>
+                          </p:cTn>
+                        </p:par>
+                      </p:childTnLst>
+                    </p:cTn>
+                  </p:par>
+                  <p:par>
+                    <p:cTn id="48" fill="hold">
+                      <p:stCondLst>
+                        <p:cond delay="indefinite"/>
+                      </p:stCondLst>
+                      <p:childTnLst>
+                        <p:par>
+                          <p:cTn id="49" fill="hold">
+                            <p:stCondLst>
+                              <p:cond delay="0"/>
+                            </p:stCondLst>
+                            <p:childTnLst>
+                              <p:par>
+                                <p:cTn id="50" presetID="10" presetClass="entr" presetSubtype="0" fill="hold" grpId="0" nodeType="clickEffect">
+                                  <p:stCondLst>
+                                    <p:cond delay="0"/>
+                                  </p:stCondLst>
+                                  <p:childTnLst>
+                                    <p:set>
+                                      <p:cBhvr>
+                                        <p:cTn id="51" dur="1" fill="hold">
+                                          <p:stCondLst>
+                                            <p:cond delay="0"/>
+                                          </p:stCondLst>
+                                        </p:cTn>
+                                        <p:tgtEl>
+                                          <p:spTgt spid="3">
+                                            <p:txEl>
+                                              <p:pRg st="10" end="10"/>
+                                            </p:txEl>
+                                          </p:spTgt>
+                                        </p:tgtEl>
+                                        <p:attrNameLst>
+                                          <p:attrName>style.visibility</p:attrName>
+                                        </p:attrNameLst>
+                                      </p:cBhvr>
+                                      <p:to>
+                                        <p:strVal val="visible"/>
+                                      </p:to>
+                                    </p:set>
+                                    <p:animEffect transition="in" filter="fade">
+                                      <p:cBhvr>
+                                        <p:cTn id="52" dur="500"/>
+                                        <p:tgtEl>
+                                          <p:spTgt spid="3">
+                                            <p:txEl>
+                                              <p:pRg st="10" end="10"/>
+                                            </p:txEl>
+                                          </p:spTgt>
+                                        </p:tgtEl>
+                                      </p:cBhvr>
+                                    </p:animEffect>
+                                  </p:childTnLst>
+                                </p:cTn>
+                              </p:par>
+                            </p:childTnLst>
+                          </p:cTn>
+                        </p:par>
+                      </p:childTnLst>
+                    </p:cTn>
+                  </p:par>
+                  <p:par>
+                    <p:cTn id="53" fill="hold">
+                      <p:stCondLst>
+                        <p:cond delay="indefinite"/>
+                      </p:stCondLst>
+                      <p:childTnLst>
+                        <p:par>
+                          <p:cTn id="54" fill="hold">
+                            <p:stCondLst>
+                              <p:cond delay="0"/>
+                            </p:stCondLst>
+                            <p:childTnLst>
+                              <p:par>
+                                <p:cTn id="55" presetID="10" presetClass="entr" presetSubtype="0" fill="hold" grpId="0" nodeType="clickEffect">
+                                  <p:stCondLst>
+                                    <p:cond delay="0"/>
+                                  </p:stCondLst>
+                                  <p:childTnLst>
+                                    <p:set>
+                                      <p:cBhvr>
+                                        <p:cTn id="56" dur="1" fill="hold">
+                                          <p:stCondLst>
+                                            <p:cond delay="0"/>
+                                          </p:stCondLst>
+                                        </p:cTn>
+                                        <p:tgtEl>
+                                          <p:spTgt spid="4"/>
+                                        </p:tgtEl>
+                                        <p:attrNameLst>
+                                          <p:attrName>style.visibility</p:attrName>
+                                        </p:attrNameLst>
+                                      </p:cBhvr>
+                                      <p:to>
+                                        <p:strVal val="visible"/>
+                                      </p:to>
+                                    </p:set>
+                                    <p:animEffect transition="in" filter="fade">
+                                      <p:cBhvr>
+                                        <p:cTn id="57" dur="500"/>
+                                        <p:tgtEl>
+                                          <p:spTgt spid="4"/>
+                                        </p:tgtEl>
+                                      </p:cBhvr>
+                                    </p:animEffect>
+                                  </p:childTnLst>
+                                </p:cTn>
+                              </p:par>
+                            </p:childTnLst>
+                          </p:cTn>
+                        </p:par>
+                      </p:childTnLst>
+                    </p:cTn>
+                  </p:par>
+                </p:childTnLst>
+              </p:cTn>
+              <p:prevCondLst>
+                <p:cond evt="onPrev" delay="0">
+                  <p:tgtEl>
+                    <p:sldTgt/>
+                  </p:tgtEl>
+                </p:cond>
+              </p:prevCondLst>
+              <p:nextCondLst>
+                <p:cond evt="onNext" delay="0">
+                  <p:tgtEl>
+                    <p:sldTgt/>
+                  </p:tgtEl>
+                </p:cond>
+              </p:nextCondLst>
+            </p:seq>
+          </p:childTnLst>
+        </p:cTn>
+      </p:par>
+    </p:tnLst>
+    <p:bldLst>
+      <p:bldP spid="3" grpId="0" build="p"/>
+      <p:bldP spid="4" grpId="0"/>
+    </p:bldLst>
+  </p:timing>
 </p:sld>
 </file>
 
@@ -22487,6 +25166,344 @@
   <p:clrMapOvr>
     <a:masterClrMapping/>
   </p:clrMapOvr>
+  <p:timing>
+    <p:tnLst>
+      <p:par>
+        <p:cTn id="1" dur="indefinite" restart="never" nodeType="tmRoot">
+          <p:childTnLst>
+            <p:seq concurrent="1" nextAc="seek">
+              <p:cTn id="2" dur="indefinite" nodeType="mainSeq">
+                <p:childTnLst>
+                  <p:par>
+                    <p:cTn id="3" fill="hold">
+                      <p:stCondLst>
+                        <p:cond delay="indefinite"/>
+                      </p:stCondLst>
+                      <p:childTnLst>
+                        <p:par>
+                          <p:cTn id="4" fill="hold">
+                            <p:stCondLst>
+                              <p:cond delay="0"/>
+                            </p:stCondLst>
+                            <p:childTnLst>
+                              <p:par>
+                                <p:cTn id="5" presetID="10" presetClass="entr" presetSubtype="0" fill="hold" grpId="0" nodeType="clickEffect">
+                                  <p:stCondLst>
+                                    <p:cond delay="0"/>
+                                  </p:stCondLst>
+                                  <p:childTnLst>
+                                    <p:set>
+                                      <p:cBhvr>
+                                        <p:cTn id="6" dur="1" fill="hold">
+                                          <p:stCondLst>
+                                            <p:cond delay="0"/>
+                                          </p:stCondLst>
+                                        </p:cTn>
+                                        <p:tgtEl>
+                                          <p:spTgt spid="3">
+                                            <p:txEl>
+                                              <p:pRg st="0" end="0"/>
+                                            </p:txEl>
+                                          </p:spTgt>
+                                        </p:tgtEl>
+                                        <p:attrNameLst>
+                                          <p:attrName>style.visibility</p:attrName>
+                                        </p:attrNameLst>
+                                      </p:cBhvr>
+                                      <p:to>
+                                        <p:strVal val="visible"/>
+                                      </p:to>
+                                    </p:set>
+                                    <p:animEffect transition="in" filter="fade">
+                                      <p:cBhvr>
+                                        <p:cTn id="7" dur="500"/>
+                                        <p:tgtEl>
+                                          <p:spTgt spid="3">
+                                            <p:txEl>
+                                              <p:pRg st="0" end="0"/>
+                                            </p:txEl>
+                                          </p:spTgt>
+                                        </p:tgtEl>
+                                      </p:cBhvr>
+                                    </p:animEffect>
+                                  </p:childTnLst>
+                                </p:cTn>
+                              </p:par>
+                            </p:childTnLst>
+                          </p:cTn>
+                        </p:par>
+                      </p:childTnLst>
+                    </p:cTn>
+                  </p:par>
+                  <p:par>
+                    <p:cTn id="8" fill="hold">
+                      <p:stCondLst>
+                        <p:cond delay="indefinite"/>
+                      </p:stCondLst>
+                      <p:childTnLst>
+                        <p:par>
+                          <p:cTn id="9" fill="hold">
+                            <p:stCondLst>
+                              <p:cond delay="0"/>
+                            </p:stCondLst>
+                            <p:childTnLst>
+                              <p:par>
+                                <p:cTn id="10" presetID="10" presetClass="entr" presetSubtype="0" fill="hold" grpId="0" nodeType="clickEffect">
+                                  <p:stCondLst>
+                                    <p:cond delay="0"/>
+                                  </p:stCondLst>
+                                  <p:childTnLst>
+                                    <p:set>
+                                      <p:cBhvr>
+                                        <p:cTn id="11" dur="1" fill="hold">
+                                          <p:stCondLst>
+                                            <p:cond delay="0"/>
+                                          </p:stCondLst>
+                                        </p:cTn>
+                                        <p:tgtEl>
+                                          <p:spTgt spid="3">
+                                            <p:txEl>
+                                              <p:pRg st="2" end="2"/>
+                                            </p:txEl>
+                                          </p:spTgt>
+                                        </p:tgtEl>
+                                        <p:attrNameLst>
+                                          <p:attrName>style.visibility</p:attrName>
+                                        </p:attrNameLst>
+                                      </p:cBhvr>
+                                      <p:to>
+                                        <p:strVal val="visible"/>
+                                      </p:to>
+                                    </p:set>
+                                    <p:animEffect transition="in" filter="fade">
+                                      <p:cBhvr>
+                                        <p:cTn id="12" dur="500"/>
+                                        <p:tgtEl>
+                                          <p:spTgt spid="3">
+                                            <p:txEl>
+                                              <p:pRg st="2" end="2"/>
+                                            </p:txEl>
+                                          </p:spTgt>
+                                        </p:tgtEl>
+                                      </p:cBhvr>
+                                    </p:animEffect>
+                                  </p:childTnLst>
+                                </p:cTn>
+                              </p:par>
+                            </p:childTnLst>
+                          </p:cTn>
+                        </p:par>
+                      </p:childTnLst>
+                    </p:cTn>
+                  </p:par>
+                  <p:par>
+                    <p:cTn id="13" fill="hold">
+                      <p:stCondLst>
+                        <p:cond delay="indefinite"/>
+                      </p:stCondLst>
+                      <p:childTnLst>
+                        <p:par>
+                          <p:cTn id="14" fill="hold">
+                            <p:stCondLst>
+                              <p:cond delay="0"/>
+                            </p:stCondLst>
+                            <p:childTnLst>
+                              <p:par>
+                                <p:cTn id="15" presetID="10" presetClass="entr" presetSubtype="0" fill="hold" grpId="0" nodeType="clickEffect">
+                                  <p:stCondLst>
+                                    <p:cond delay="0"/>
+                                  </p:stCondLst>
+                                  <p:childTnLst>
+                                    <p:set>
+                                      <p:cBhvr>
+                                        <p:cTn id="16" dur="1" fill="hold">
+                                          <p:stCondLst>
+                                            <p:cond delay="0"/>
+                                          </p:stCondLst>
+                                        </p:cTn>
+                                        <p:tgtEl>
+                                          <p:spTgt spid="3">
+                                            <p:txEl>
+                                              <p:pRg st="4" end="4"/>
+                                            </p:txEl>
+                                          </p:spTgt>
+                                        </p:tgtEl>
+                                        <p:attrNameLst>
+                                          <p:attrName>style.visibility</p:attrName>
+                                        </p:attrNameLst>
+                                      </p:cBhvr>
+                                      <p:to>
+                                        <p:strVal val="visible"/>
+                                      </p:to>
+                                    </p:set>
+                                    <p:animEffect transition="in" filter="fade">
+                                      <p:cBhvr>
+                                        <p:cTn id="17" dur="500"/>
+                                        <p:tgtEl>
+                                          <p:spTgt spid="3">
+                                            <p:txEl>
+                                              <p:pRg st="4" end="4"/>
+                                            </p:txEl>
+                                          </p:spTgt>
+                                        </p:tgtEl>
+                                      </p:cBhvr>
+                                    </p:animEffect>
+                                  </p:childTnLst>
+                                </p:cTn>
+                              </p:par>
+                            </p:childTnLst>
+                          </p:cTn>
+                        </p:par>
+                      </p:childTnLst>
+                    </p:cTn>
+                  </p:par>
+                  <p:par>
+                    <p:cTn id="18" fill="hold">
+                      <p:stCondLst>
+                        <p:cond delay="indefinite"/>
+                      </p:stCondLst>
+                      <p:childTnLst>
+                        <p:par>
+                          <p:cTn id="19" fill="hold">
+                            <p:stCondLst>
+                              <p:cond delay="0"/>
+                            </p:stCondLst>
+                            <p:childTnLst>
+                              <p:par>
+                                <p:cTn id="20" presetID="10" presetClass="entr" presetSubtype="0" fill="hold" grpId="0" nodeType="clickEffect">
+                                  <p:stCondLst>
+                                    <p:cond delay="0"/>
+                                  </p:stCondLst>
+                                  <p:childTnLst>
+                                    <p:set>
+                                      <p:cBhvr>
+                                        <p:cTn id="21" dur="1" fill="hold">
+                                          <p:stCondLst>
+                                            <p:cond delay="0"/>
+                                          </p:stCondLst>
+                                        </p:cTn>
+                                        <p:tgtEl>
+                                          <p:spTgt spid="3">
+                                            <p:txEl>
+                                              <p:pRg st="5" end="5"/>
+                                            </p:txEl>
+                                          </p:spTgt>
+                                        </p:tgtEl>
+                                        <p:attrNameLst>
+                                          <p:attrName>style.visibility</p:attrName>
+                                        </p:attrNameLst>
+                                      </p:cBhvr>
+                                      <p:to>
+                                        <p:strVal val="visible"/>
+                                      </p:to>
+                                    </p:set>
+                                    <p:animEffect transition="in" filter="fade">
+                                      <p:cBhvr>
+                                        <p:cTn id="22" dur="500"/>
+                                        <p:tgtEl>
+                                          <p:spTgt spid="3">
+                                            <p:txEl>
+                                              <p:pRg st="5" end="5"/>
+                                            </p:txEl>
+                                          </p:spTgt>
+                                        </p:tgtEl>
+                                      </p:cBhvr>
+                                    </p:animEffect>
+                                  </p:childTnLst>
+                                </p:cTn>
+                              </p:par>
+                            </p:childTnLst>
+                          </p:cTn>
+                        </p:par>
+                      </p:childTnLst>
+                    </p:cTn>
+                  </p:par>
+                  <p:par>
+                    <p:cTn id="23" fill="hold">
+                      <p:stCondLst>
+                        <p:cond delay="indefinite"/>
+                      </p:stCondLst>
+                      <p:childTnLst>
+                        <p:par>
+                          <p:cTn id="24" fill="hold">
+                            <p:stCondLst>
+                              <p:cond delay="0"/>
+                            </p:stCondLst>
+                            <p:childTnLst>
+                              <p:par>
+                                <p:cTn id="25" presetID="10" presetClass="entr" presetSubtype="0" fill="hold" grpId="0" nodeType="clickEffect">
+                                  <p:stCondLst>
+                                    <p:cond delay="0"/>
+                                  </p:stCondLst>
+                                  <p:childTnLst>
+                                    <p:set>
+                                      <p:cBhvr>
+                                        <p:cTn id="26" dur="1" fill="hold">
+                                          <p:stCondLst>
+                                            <p:cond delay="0"/>
+                                          </p:stCondLst>
+                                        </p:cTn>
+                                        <p:tgtEl>
+                                          <p:spTgt spid="3">
+                                            <p:txEl>
+                                              <p:pRg st="7" end="7"/>
+                                            </p:txEl>
+                                          </p:spTgt>
+                                        </p:tgtEl>
+                                        <p:attrNameLst>
+                                          <p:attrName>style.visibility</p:attrName>
+                                        </p:attrNameLst>
+                                      </p:cBhvr>
+                                      <p:to>
+                                        <p:strVal val="visible"/>
+                                      </p:to>
+                                    </p:set>
+                                    <p:animEffect transition="in" filter="fade">
+                                      <p:cBhvr>
+                                        <p:cTn id="27" dur="500"/>
+                                        <p:tgtEl>
+                                          <p:spTgt spid="3">
+                                            <p:txEl>
+                                              <p:pRg st="7" end="7"/>
+                                            </p:txEl>
+                                          </p:spTgt>
+                                        </p:tgtEl>
+                                      </p:cBhvr>
+                                    </p:animEffect>
+                                  </p:childTnLst>
+                                </p:cTn>
+                              </p:par>
+                            </p:childTnLst>
+                          </p:cTn>
+                        </p:par>
+                      </p:childTnLst>
+                    </p:cTn>
+                  </p:par>
+                </p:childTnLst>
+              </p:cTn>
+              <p:prevCondLst>
+                <p:cond evt="onPrev" delay="0">
+                  <p:tgtEl>
+                    <p:sldTgt/>
+                  </p:tgtEl>
+                </p:cond>
+              </p:prevCondLst>
+              <p:nextCondLst>
+                <p:cond evt="onNext" delay="0">
+                  <p:tgtEl>
+                    <p:sldTgt/>
+                  </p:tgtEl>
+                </p:cond>
+              </p:nextCondLst>
+            </p:seq>
+          </p:childTnLst>
+        </p:cTn>
+      </p:par>
+    </p:tnLst>
+    <p:bldLst>
+      <p:bldP spid="3" grpId="0" build="p"/>
+    </p:bldLst>
+  </p:timing>
 </p:sld>
 </file>
 
@@ -22781,6 +25798,344 @@
   <p:clrMapOvr>
     <a:masterClrMapping/>
   </p:clrMapOvr>
+  <p:timing>
+    <p:tnLst>
+      <p:par>
+        <p:cTn id="1" dur="indefinite" restart="never" nodeType="tmRoot">
+          <p:childTnLst>
+            <p:seq concurrent="1" nextAc="seek">
+              <p:cTn id="2" dur="indefinite" nodeType="mainSeq">
+                <p:childTnLst>
+                  <p:par>
+                    <p:cTn id="3" fill="hold">
+                      <p:stCondLst>
+                        <p:cond delay="indefinite"/>
+                      </p:stCondLst>
+                      <p:childTnLst>
+                        <p:par>
+                          <p:cTn id="4" fill="hold">
+                            <p:stCondLst>
+                              <p:cond delay="0"/>
+                            </p:stCondLst>
+                            <p:childTnLst>
+                              <p:par>
+                                <p:cTn id="5" presetID="10" presetClass="entr" presetSubtype="0" fill="hold" grpId="0" nodeType="clickEffect">
+                                  <p:stCondLst>
+                                    <p:cond delay="0"/>
+                                  </p:stCondLst>
+                                  <p:childTnLst>
+                                    <p:set>
+                                      <p:cBhvr>
+                                        <p:cTn id="6" dur="1" fill="hold">
+                                          <p:stCondLst>
+                                            <p:cond delay="0"/>
+                                          </p:stCondLst>
+                                        </p:cTn>
+                                        <p:tgtEl>
+                                          <p:spTgt spid="3">
+                                            <p:txEl>
+                                              <p:pRg st="0" end="0"/>
+                                            </p:txEl>
+                                          </p:spTgt>
+                                        </p:tgtEl>
+                                        <p:attrNameLst>
+                                          <p:attrName>style.visibility</p:attrName>
+                                        </p:attrNameLst>
+                                      </p:cBhvr>
+                                      <p:to>
+                                        <p:strVal val="visible"/>
+                                      </p:to>
+                                    </p:set>
+                                    <p:animEffect transition="in" filter="fade">
+                                      <p:cBhvr>
+                                        <p:cTn id="7" dur="500"/>
+                                        <p:tgtEl>
+                                          <p:spTgt spid="3">
+                                            <p:txEl>
+                                              <p:pRg st="0" end="0"/>
+                                            </p:txEl>
+                                          </p:spTgt>
+                                        </p:tgtEl>
+                                      </p:cBhvr>
+                                    </p:animEffect>
+                                  </p:childTnLst>
+                                </p:cTn>
+                              </p:par>
+                            </p:childTnLst>
+                          </p:cTn>
+                        </p:par>
+                      </p:childTnLst>
+                    </p:cTn>
+                  </p:par>
+                  <p:par>
+                    <p:cTn id="8" fill="hold">
+                      <p:stCondLst>
+                        <p:cond delay="indefinite"/>
+                      </p:stCondLst>
+                      <p:childTnLst>
+                        <p:par>
+                          <p:cTn id="9" fill="hold">
+                            <p:stCondLst>
+                              <p:cond delay="0"/>
+                            </p:stCondLst>
+                            <p:childTnLst>
+                              <p:par>
+                                <p:cTn id="10" presetID="10" presetClass="entr" presetSubtype="0" fill="hold" grpId="0" nodeType="clickEffect">
+                                  <p:stCondLst>
+                                    <p:cond delay="0"/>
+                                  </p:stCondLst>
+                                  <p:childTnLst>
+                                    <p:set>
+                                      <p:cBhvr>
+                                        <p:cTn id="11" dur="1" fill="hold">
+                                          <p:stCondLst>
+                                            <p:cond delay="0"/>
+                                          </p:stCondLst>
+                                        </p:cTn>
+                                        <p:tgtEl>
+                                          <p:spTgt spid="3">
+                                            <p:txEl>
+                                              <p:pRg st="2" end="2"/>
+                                            </p:txEl>
+                                          </p:spTgt>
+                                        </p:tgtEl>
+                                        <p:attrNameLst>
+                                          <p:attrName>style.visibility</p:attrName>
+                                        </p:attrNameLst>
+                                      </p:cBhvr>
+                                      <p:to>
+                                        <p:strVal val="visible"/>
+                                      </p:to>
+                                    </p:set>
+                                    <p:animEffect transition="in" filter="fade">
+                                      <p:cBhvr>
+                                        <p:cTn id="12" dur="500"/>
+                                        <p:tgtEl>
+                                          <p:spTgt spid="3">
+                                            <p:txEl>
+                                              <p:pRg st="2" end="2"/>
+                                            </p:txEl>
+                                          </p:spTgt>
+                                        </p:tgtEl>
+                                      </p:cBhvr>
+                                    </p:animEffect>
+                                  </p:childTnLst>
+                                </p:cTn>
+                              </p:par>
+                            </p:childTnLst>
+                          </p:cTn>
+                        </p:par>
+                      </p:childTnLst>
+                    </p:cTn>
+                  </p:par>
+                  <p:par>
+                    <p:cTn id="13" fill="hold">
+                      <p:stCondLst>
+                        <p:cond delay="indefinite"/>
+                      </p:stCondLst>
+                      <p:childTnLst>
+                        <p:par>
+                          <p:cTn id="14" fill="hold">
+                            <p:stCondLst>
+                              <p:cond delay="0"/>
+                            </p:stCondLst>
+                            <p:childTnLst>
+                              <p:par>
+                                <p:cTn id="15" presetID="10" presetClass="entr" presetSubtype="0" fill="hold" grpId="0" nodeType="clickEffect">
+                                  <p:stCondLst>
+                                    <p:cond delay="0"/>
+                                  </p:stCondLst>
+                                  <p:childTnLst>
+                                    <p:set>
+                                      <p:cBhvr>
+                                        <p:cTn id="16" dur="1" fill="hold">
+                                          <p:stCondLst>
+                                            <p:cond delay="0"/>
+                                          </p:stCondLst>
+                                        </p:cTn>
+                                        <p:tgtEl>
+                                          <p:spTgt spid="3">
+                                            <p:txEl>
+                                              <p:pRg st="4" end="4"/>
+                                            </p:txEl>
+                                          </p:spTgt>
+                                        </p:tgtEl>
+                                        <p:attrNameLst>
+                                          <p:attrName>style.visibility</p:attrName>
+                                        </p:attrNameLst>
+                                      </p:cBhvr>
+                                      <p:to>
+                                        <p:strVal val="visible"/>
+                                      </p:to>
+                                    </p:set>
+                                    <p:animEffect transition="in" filter="fade">
+                                      <p:cBhvr>
+                                        <p:cTn id="17" dur="500"/>
+                                        <p:tgtEl>
+                                          <p:spTgt spid="3">
+                                            <p:txEl>
+                                              <p:pRg st="4" end="4"/>
+                                            </p:txEl>
+                                          </p:spTgt>
+                                        </p:tgtEl>
+                                      </p:cBhvr>
+                                    </p:animEffect>
+                                  </p:childTnLst>
+                                </p:cTn>
+                              </p:par>
+                            </p:childTnLst>
+                          </p:cTn>
+                        </p:par>
+                      </p:childTnLst>
+                    </p:cTn>
+                  </p:par>
+                  <p:par>
+                    <p:cTn id="18" fill="hold">
+                      <p:stCondLst>
+                        <p:cond delay="indefinite"/>
+                      </p:stCondLst>
+                      <p:childTnLst>
+                        <p:par>
+                          <p:cTn id="19" fill="hold">
+                            <p:stCondLst>
+                              <p:cond delay="0"/>
+                            </p:stCondLst>
+                            <p:childTnLst>
+                              <p:par>
+                                <p:cTn id="20" presetID="10" presetClass="entr" presetSubtype="0" fill="hold" grpId="0" nodeType="clickEffect">
+                                  <p:stCondLst>
+                                    <p:cond delay="0"/>
+                                  </p:stCondLst>
+                                  <p:childTnLst>
+                                    <p:set>
+                                      <p:cBhvr>
+                                        <p:cTn id="21" dur="1" fill="hold">
+                                          <p:stCondLst>
+                                            <p:cond delay="0"/>
+                                          </p:stCondLst>
+                                        </p:cTn>
+                                        <p:tgtEl>
+                                          <p:spTgt spid="3">
+                                            <p:txEl>
+                                              <p:pRg st="5" end="5"/>
+                                            </p:txEl>
+                                          </p:spTgt>
+                                        </p:tgtEl>
+                                        <p:attrNameLst>
+                                          <p:attrName>style.visibility</p:attrName>
+                                        </p:attrNameLst>
+                                      </p:cBhvr>
+                                      <p:to>
+                                        <p:strVal val="visible"/>
+                                      </p:to>
+                                    </p:set>
+                                    <p:animEffect transition="in" filter="fade">
+                                      <p:cBhvr>
+                                        <p:cTn id="22" dur="500"/>
+                                        <p:tgtEl>
+                                          <p:spTgt spid="3">
+                                            <p:txEl>
+                                              <p:pRg st="5" end="5"/>
+                                            </p:txEl>
+                                          </p:spTgt>
+                                        </p:tgtEl>
+                                      </p:cBhvr>
+                                    </p:animEffect>
+                                  </p:childTnLst>
+                                </p:cTn>
+                              </p:par>
+                            </p:childTnLst>
+                          </p:cTn>
+                        </p:par>
+                      </p:childTnLst>
+                    </p:cTn>
+                  </p:par>
+                  <p:par>
+                    <p:cTn id="23" fill="hold">
+                      <p:stCondLst>
+                        <p:cond delay="indefinite"/>
+                      </p:stCondLst>
+                      <p:childTnLst>
+                        <p:par>
+                          <p:cTn id="24" fill="hold">
+                            <p:stCondLst>
+                              <p:cond delay="0"/>
+                            </p:stCondLst>
+                            <p:childTnLst>
+                              <p:par>
+                                <p:cTn id="25" presetID="10" presetClass="entr" presetSubtype="0" fill="hold" grpId="0" nodeType="clickEffect">
+                                  <p:stCondLst>
+                                    <p:cond delay="0"/>
+                                  </p:stCondLst>
+                                  <p:childTnLst>
+                                    <p:set>
+                                      <p:cBhvr>
+                                        <p:cTn id="26" dur="1" fill="hold">
+                                          <p:stCondLst>
+                                            <p:cond delay="0"/>
+                                          </p:stCondLst>
+                                        </p:cTn>
+                                        <p:tgtEl>
+                                          <p:spTgt spid="3">
+                                            <p:txEl>
+                                              <p:pRg st="7" end="7"/>
+                                            </p:txEl>
+                                          </p:spTgt>
+                                        </p:tgtEl>
+                                        <p:attrNameLst>
+                                          <p:attrName>style.visibility</p:attrName>
+                                        </p:attrNameLst>
+                                      </p:cBhvr>
+                                      <p:to>
+                                        <p:strVal val="visible"/>
+                                      </p:to>
+                                    </p:set>
+                                    <p:animEffect transition="in" filter="fade">
+                                      <p:cBhvr>
+                                        <p:cTn id="27" dur="500"/>
+                                        <p:tgtEl>
+                                          <p:spTgt spid="3">
+                                            <p:txEl>
+                                              <p:pRg st="7" end="7"/>
+                                            </p:txEl>
+                                          </p:spTgt>
+                                        </p:tgtEl>
+                                      </p:cBhvr>
+                                    </p:animEffect>
+                                  </p:childTnLst>
+                                </p:cTn>
+                              </p:par>
+                            </p:childTnLst>
+                          </p:cTn>
+                        </p:par>
+                      </p:childTnLst>
+                    </p:cTn>
+                  </p:par>
+                </p:childTnLst>
+              </p:cTn>
+              <p:prevCondLst>
+                <p:cond evt="onPrev" delay="0">
+                  <p:tgtEl>
+                    <p:sldTgt/>
+                  </p:tgtEl>
+                </p:cond>
+              </p:prevCondLst>
+              <p:nextCondLst>
+                <p:cond evt="onNext" delay="0">
+                  <p:tgtEl>
+                    <p:sldTgt/>
+                  </p:tgtEl>
+                </p:cond>
+              </p:nextCondLst>
+            </p:seq>
+          </p:childTnLst>
+        </p:cTn>
+      </p:par>
+    </p:tnLst>
+    <p:bldLst>
+      <p:bldP spid="3" grpId="0" build="p"/>
+    </p:bldLst>
+  </p:timing>
 </p:sld>
 </file>
 
@@ -22849,7 +26204,7 @@
         </p:nvSpPr>
         <p:spPr>
           <a:xfrm>
-            <a:off x="1251678" y="1431986"/>
+            <a:off x="1251678" y="1247319"/>
             <a:ext cx="10178322" cy="5043630"/>
           </a:xfrm>
         </p:spPr>
@@ -23063,6 +26418,405 @@
   <p:clrMapOvr>
     <a:masterClrMapping/>
   </p:clrMapOvr>
+  <p:timing>
+    <p:tnLst>
+      <p:par>
+        <p:cTn id="1" dur="indefinite" restart="never" nodeType="tmRoot">
+          <p:childTnLst>
+            <p:seq concurrent="1" nextAc="seek">
+              <p:cTn id="2" dur="indefinite" nodeType="mainSeq">
+                <p:childTnLst>
+                  <p:par>
+                    <p:cTn id="3" fill="hold">
+                      <p:stCondLst>
+                        <p:cond delay="indefinite"/>
+                      </p:stCondLst>
+                      <p:childTnLst>
+                        <p:par>
+                          <p:cTn id="4" fill="hold">
+                            <p:stCondLst>
+                              <p:cond delay="0"/>
+                            </p:stCondLst>
+                            <p:childTnLst>
+                              <p:par>
+                                <p:cTn id="5" presetID="10" presetClass="entr" presetSubtype="0" fill="hold" grpId="0" nodeType="clickEffect">
+                                  <p:stCondLst>
+                                    <p:cond delay="0"/>
+                                  </p:stCondLst>
+                                  <p:childTnLst>
+                                    <p:set>
+                                      <p:cBhvr>
+                                        <p:cTn id="6" dur="1" fill="hold">
+                                          <p:stCondLst>
+                                            <p:cond delay="0"/>
+                                          </p:stCondLst>
+                                        </p:cTn>
+                                        <p:tgtEl>
+                                          <p:spTgt spid="3">
+                                            <p:txEl>
+                                              <p:pRg st="0" end="0"/>
+                                            </p:txEl>
+                                          </p:spTgt>
+                                        </p:tgtEl>
+                                        <p:attrNameLst>
+                                          <p:attrName>style.visibility</p:attrName>
+                                        </p:attrNameLst>
+                                      </p:cBhvr>
+                                      <p:to>
+                                        <p:strVal val="visible"/>
+                                      </p:to>
+                                    </p:set>
+                                    <p:animEffect transition="in" filter="fade">
+                                      <p:cBhvr>
+                                        <p:cTn id="7" dur="500"/>
+                                        <p:tgtEl>
+                                          <p:spTgt spid="3">
+                                            <p:txEl>
+                                              <p:pRg st="0" end="0"/>
+                                            </p:txEl>
+                                          </p:spTgt>
+                                        </p:tgtEl>
+                                      </p:cBhvr>
+                                    </p:animEffect>
+                                  </p:childTnLst>
+                                </p:cTn>
+                              </p:par>
+                            </p:childTnLst>
+                          </p:cTn>
+                        </p:par>
+                      </p:childTnLst>
+                    </p:cTn>
+                  </p:par>
+                  <p:par>
+                    <p:cTn id="8" fill="hold">
+                      <p:stCondLst>
+                        <p:cond delay="indefinite"/>
+                      </p:stCondLst>
+                      <p:childTnLst>
+                        <p:par>
+                          <p:cTn id="9" fill="hold">
+                            <p:stCondLst>
+                              <p:cond delay="0"/>
+                            </p:stCondLst>
+                            <p:childTnLst>
+                              <p:par>
+                                <p:cTn id="10" presetID="10" presetClass="entr" presetSubtype="0" fill="hold" grpId="0" nodeType="clickEffect">
+                                  <p:stCondLst>
+                                    <p:cond delay="0"/>
+                                  </p:stCondLst>
+                                  <p:childTnLst>
+                                    <p:set>
+                                      <p:cBhvr>
+                                        <p:cTn id="11" dur="1" fill="hold">
+                                          <p:stCondLst>
+                                            <p:cond delay="0"/>
+                                          </p:stCondLst>
+                                        </p:cTn>
+                                        <p:tgtEl>
+                                          <p:spTgt spid="3">
+                                            <p:txEl>
+                                              <p:pRg st="2" end="2"/>
+                                            </p:txEl>
+                                          </p:spTgt>
+                                        </p:tgtEl>
+                                        <p:attrNameLst>
+                                          <p:attrName>style.visibility</p:attrName>
+                                        </p:attrNameLst>
+                                      </p:cBhvr>
+                                      <p:to>
+                                        <p:strVal val="visible"/>
+                                      </p:to>
+                                    </p:set>
+                                    <p:animEffect transition="in" filter="fade">
+                                      <p:cBhvr>
+                                        <p:cTn id="12" dur="500"/>
+                                        <p:tgtEl>
+                                          <p:spTgt spid="3">
+                                            <p:txEl>
+                                              <p:pRg st="2" end="2"/>
+                                            </p:txEl>
+                                          </p:spTgt>
+                                        </p:tgtEl>
+                                      </p:cBhvr>
+                                    </p:animEffect>
+                                  </p:childTnLst>
+                                </p:cTn>
+                              </p:par>
+                            </p:childTnLst>
+                          </p:cTn>
+                        </p:par>
+                      </p:childTnLst>
+                    </p:cTn>
+                  </p:par>
+                  <p:par>
+                    <p:cTn id="13" fill="hold">
+                      <p:stCondLst>
+                        <p:cond delay="indefinite"/>
+                      </p:stCondLst>
+                      <p:childTnLst>
+                        <p:par>
+                          <p:cTn id="14" fill="hold">
+                            <p:stCondLst>
+                              <p:cond delay="0"/>
+                            </p:stCondLst>
+                            <p:childTnLst>
+                              <p:par>
+                                <p:cTn id="15" presetID="10" presetClass="entr" presetSubtype="0" fill="hold" grpId="0" nodeType="clickEffect">
+                                  <p:stCondLst>
+                                    <p:cond delay="0"/>
+                                  </p:stCondLst>
+                                  <p:childTnLst>
+                                    <p:set>
+                                      <p:cBhvr>
+                                        <p:cTn id="16" dur="1" fill="hold">
+                                          <p:stCondLst>
+                                            <p:cond delay="0"/>
+                                          </p:stCondLst>
+                                        </p:cTn>
+                                        <p:tgtEl>
+                                          <p:spTgt spid="3">
+                                            <p:txEl>
+                                              <p:pRg st="4" end="4"/>
+                                            </p:txEl>
+                                          </p:spTgt>
+                                        </p:tgtEl>
+                                        <p:attrNameLst>
+                                          <p:attrName>style.visibility</p:attrName>
+                                        </p:attrNameLst>
+                                      </p:cBhvr>
+                                      <p:to>
+                                        <p:strVal val="visible"/>
+                                      </p:to>
+                                    </p:set>
+                                    <p:animEffect transition="in" filter="fade">
+                                      <p:cBhvr>
+                                        <p:cTn id="17" dur="500"/>
+                                        <p:tgtEl>
+                                          <p:spTgt spid="3">
+                                            <p:txEl>
+                                              <p:pRg st="4" end="4"/>
+                                            </p:txEl>
+                                          </p:spTgt>
+                                        </p:tgtEl>
+                                      </p:cBhvr>
+                                    </p:animEffect>
+                                  </p:childTnLst>
+                                </p:cTn>
+                              </p:par>
+                            </p:childTnLst>
+                          </p:cTn>
+                        </p:par>
+                      </p:childTnLst>
+                    </p:cTn>
+                  </p:par>
+                  <p:par>
+                    <p:cTn id="18" fill="hold">
+                      <p:stCondLst>
+                        <p:cond delay="indefinite"/>
+                      </p:stCondLst>
+                      <p:childTnLst>
+                        <p:par>
+                          <p:cTn id="19" fill="hold">
+                            <p:stCondLst>
+                              <p:cond delay="0"/>
+                            </p:stCondLst>
+                            <p:childTnLst>
+                              <p:par>
+                                <p:cTn id="20" presetID="10" presetClass="entr" presetSubtype="0" fill="hold" grpId="0" nodeType="clickEffect">
+                                  <p:stCondLst>
+                                    <p:cond delay="0"/>
+                                  </p:stCondLst>
+                                  <p:childTnLst>
+                                    <p:set>
+                                      <p:cBhvr>
+                                        <p:cTn id="21" dur="1" fill="hold">
+                                          <p:stCondLst>
+                                            <p:cond delay="0"/>
+                                          </p:stCondLst>
+                                        </p:cTn>
+                                        <p:tgtEl>
+                                          <p:spTgt spid="3">
+                                            <p:txEl>
+                                              <p:pRg st="5" end="5"/>
+                                            </p:txEl>
+                                          </p:spTgt>
+                                        </p:tgtEl>
+                                        <p:attrNameLst>
+                                          <p:attrName>style.visibility</p:attrName>
+                                        </p:attrNameLst>
+                                      </p:cBhvr>
+                                      <p:to>
+                                        <p:strVal val="visible"/>
+                                      </p:to>
+                                    </p:set>
+                                    <p:animEffect transition="in" filter="fade">
+                                      <p:cBhvr>
+                                        <p:cTn id="22" dur="500"/>
+                                        <p:tgtEl>
+                                          <p:spTgt spid="3">
+                                            <p:txEl>
+                                              <p:pRg st="5" end="5"/>
+                                            </p:txEl>
+                                          </p:spTgt>
+                                        </p:tgtEl>
+                                      </p:cBhvr>
+                                    </p:animEffect>
+                                  </p:childTnLst>
+                                </p:cTn>
+                              </p:par>
+                            </p:childTnLst>
+                          </p:cTn>
+                        </p:par>
+                      </p:childTnLst>
+                    </p:cTn>
+                  </p:par>
+                  <p:par>
+                    <p:cTn id="23" fill="hold">
+                      <p:stCondLst>
+                        <p:cond delay="indefinite"/>
+                      </p:stCondLst>
+                      <p:childTnLst>
+                        <p:par>
+                          <p:cTn id="24" fill="hold">
+                            <p:stCondLst>
+                              <p:cond delay="0"/>
+                            </p:stCondLst>
+                            <p:childTnLst>
+                              <p:par>
+                                <p:cTn id="25" presetID="10" presetClass="entr" presetSubtype="0" fill="hold" grpId="0" nodeType="clickEffect">
+                                  <p:stCondLst>
+                                    <p:cond delay="0"/>
+                                  </p:stCondLst>
+                                  <p:childTnLst>
+                                    <p:set>
+                                      <p:cBhvr>
+                                        <p:cTn id="26" dur="1" fill="hold">
+                                          <p:stCondLst>
+                                            <p:cond delay="0"/>
+                                          </p:stCondLst>
+                                        </p:cTn>
+                                        <p:tgtEl>
+                                          <p:spTgt spid="3">
+                                            <p:txEl>
+                                              <p:pRg st="6" end="6"/>
+                                            </p:txEl>
+                                          </p:spTgt>
+                                        </p:tgtEl>
+                                        <p:attrNameLst>
+                                          <p:attrName>style.visibility</p:attrName>
+                                        </p:attrNameLst>
+                                      </p:cBhvr>
+                                      <p:to>
+                                        <p:strVal val="visible"/>
+                                      </p:to>
+                                    </p:set>
+                                    <p:animEffect transition="in" filter="fade">
+                                      <p:cBhvr>
+                                        <p:cTn id="27" dur="500"/>
+                                        <p:tgtEl>
+                                          <p:spTgt spid="3">
+                                            <p:txEl>
+                                              <p:pRg st="6" end="6"/>
+                                            </p:txEl>
+                                          </p:spTgt>
+                                        </p:tgtEl>
+                                      </p:cBhvr>
+                                    </p:animEffect>
+                                  </p:childTnLst>
+                                </p:cTn>
+                              </p:par>
+                            </p:childTnLst>
+                          </p:cTn>
+                        </p:par>
+                      </p:childTnLst>
+                    </p:cTn>
+                  </p:par>
+                  <p:par>
+                    <p:cTn id="28" fill="hold">
+                      <p:stCondLst>
+                        <p:cond delay="indefinite"/>
+                      </p:stCondLst>
+                      <p:childTnLst>
+                        <p:par>
+                          <p:cTn id="29" fill="hold">
+                            <p:stCondLst>
+                              <p:cond delay="0"/>
+                            </p:stCondLst>
+                            <p:childTnLst>
+                              <p:par>
+                                <p:cTn id="30" presetID="10" presetClass="entr" presetSubtype="0" fill="hold" grpId="0" nodeType="clickEffect">
+                                  <p:stCondLst>
+                                    <p:cond delay="0"/>
+                                  </p:stCondLst>
+                                  <p:childTnLst>
+                                    <p:set>
+                                      <p:cBhvr>
+                                        <p:cTn id="31" dur="1" fill="hold">
+                                          <p:stCondLst>
+                                            <p:cond delay="0"/>
+                                          </p:stCondLst>
+                                        </p:cTn>
+                                        <p:tgtEl>
+                                          <p:spTgt spid="3">
+                                            <p:txEl>
+                                              <p:pRg st="8" end="8"/>
+                                            </p:txEl>
+                                          </p:spTgt>
+                                        </p:tgtEl>
+                                        <p:attrNameLst>
+                                          <p:attrName>style.visibility</p:attrName>
+                                        </p:attrNameLst>
+                                      </p:cBhvr>
+                                      <p:to>
+                                        <p:strVal val="visible"/>
+                                      </p:to>
+                                    </p:set>
+                                    <p:animEffect transition="in" filter="fade">
+                                      <p:cBhvr>
+                                        <p:cTn id="32" dur="500"/>
+                                        <p:tgtEl>
+                                          <p:spTgt spid="3">
+                                            <p:txEl>
+                                              <p:pRg st="8" end="8"/>
+                                            </p:txEl>
+                                          </p:spTgt>
+                                        </p:tgtEl>
+                                      </p:cBhvr>
+                                    </p:animEffect>
+                                  </p:childTnLst>
+                                </p:cTn>
+                              </p:par>
+                            </p:childTnLst>
+                          </p:cTn>
+                        </p:par>
+                      </p:childTnLst>
+                    </p:cTn>
+                  </p:par>
+                </p:childTnLst>
+              </p:cTn>
+              <p:prevCondLst>
+                <p:cond evt="onPrev" delay="0">
+                  <p:tgtEl>
+                    <p:sldTgt/>
+                  </p:tgtEl>
+                </p:cond>
+              </p:prevCondLst>
+              <p:nextCondLst>
+                <p:cond evt="onNext" delay="0">
+                  <p:tgtEl>
+                    <p:sldTgt/>
+                  </p:tgtEl>
+                </p:cond>
+              </p:nextCondLst>
+            </p:seq>
+          </p:childTnLst>
+        </p:cTn>
+      </p:par>
+    </p:tnLst>
+    <p:bldLst>
+      <p:bldP spid="3" grpId="0" build="p"/>
+    </p:bldLst>
+  </p:timing>
 </p:sld>
 </file>
 
@@ -23198,6 +26952,90 @@
           </a:p>
         </p:txBody>
       </p:sp>
+      <p:pic>
+        <p:nvPicPr>
+          <p:cNvPr id="5" name="Picture 4">
+            <a:extLst>
+              <a:ext uri="{FF2B5EF4-FFF2-40B4-BE49-F238E27FC236}">
+                <a16:creationId xmlns:a16="http://schemas.microsoft.com/office/drawing/2014/main" id="{E8967686-7B51-4904-BD85-820C717840A1}"/>
+              </a:ext>
+            </a:extLst>
+          </p:cNvPr>
+          <p:cNvPicPr>
+            <a:picLocks noChangeAspect="1"/>
+          </p:cNvPicPr>
+          <p:nvPr/>
+        </p:nvPicPr>
+        <p:blipFill>
+          <a:blip r:embed="rId2"/>
+          <a:stretch>
+            <a:fillRect/>
+          </a:stretch>
+        </p:blipFill>
+        <p:spPr>
+          <a:xfrm>
+            <a:off x="1554067" y="2070878"/>
+            <a:ext cx="9312244" cy="3030512"/>
+          </a:xfrm>
+          <a:prstGeom prst="rect">
+            <a:avLst/>
+          </a:prstGeom>
+        </p:spPr>
+      </p:pic>
+      <p:sp>
+        <p:nvSpPr>
+          <p:cNvPr id="6" name="TextBox 5">
+            <a:extLst>
+              <a:ext uri="{FF2B5EF4-FFF2-40B4-BE49-F238E27FC236}">
+                <a16:creationId xmlns:a16="http://schemas.microsoft.com/office/drawing/2014/main" id="{0AD31A81-FFAC-47F2-B3E8-1E7C481BDD29}"/>
+              </a:ext>
+            </a:extLst>
+          </p:cNvPr>
+          <p:cNvSpPr txBox="1"/>
+          <p:nvPr/>
+        </p:nvSpPr>
+        <p:spPr>
+          <a:xfrm>
+            <a:off x="1639957" y="5327373"/>
+            <a:ext cx="8160026" cy="646331"/>
+          </a:xfrm>
+          <a:prstGeom prst="rect">
+            <a:avLst/>
+          </a:prstGeom>
+          <a:noFill/>
+        </p:spPr>
+        <p:txBody>
+          <a:bodyPr wrap="square" rtlCol="0">
+            <a:spAutoFit/>
+          </a:bodyPr>
+          <a:lstStyle/>
+          <a:p>
+            <a:r>
+              <a:rPr lang="en-US" dirty="0"/>
+              <a:t>AUC:  </a:t>
+            </a:r>
+            <a:r>
+              <a:rPr lang="en-US" dirty="0">
+                <a:solidFill>
+                  <a:srgbClr val="C00000"/>
+                </a:solidFill>
+              </a:rPr>
+              <a:t>Area under the ROC curve</a:t>
+            </a:r>
+            <a:r>
+              <a:rPr lang="en-US" dirty="0"/>
+              <a:t> - assessing discrimination in logistic regression</a:t>
+            </a:r>
+          </a:p>
+          <a:p>
+            <a:r>
+              <a:rPr lang="zh-CN" altLang="en-US" dirty="0"/>
+              <a:t> </a:t>
+            </a:r>
+            <a:endParaRPr lang="en-US" dirty="0"/>
+          </a:p>
+        </p:txBody>
+      </p:sp>
     </p:spTree>
     <p:extLst>
       <p:ext uri="{BB962C8B-B14F-4D97-AF65-F5344CB8AC3E}">
@@ -23208,6 +27046,145 @@
   <p:clrMapOvr>
     <a:masterClrMapping/>
   </p:clrMapOvr>
+  <p:timing>
+    <p:tnLst>
+      <p:par>
+        <p:cTn id="1" dur="indefinite" restart="never" nodeType="tmRoot">
+          <p:childTnLst>
+            <p:seq concurrent="1" nextAc="seek">
+              <p:cTn id="2" dur="indefinite" nodeType="mainSeq">
+                <p:childTnLst>
+                  <p:par>
+                    <p:cTn id="3" fill="hold">
+                      <p:stCondLst>
+                        <p:cond delay="indefinite"/>
+                      </p:stCondLst>
+                      <p:childTnLst>
+                        <p:par>
+                          <p:cTn id="4" fill="hold">
+                            <p:stCondLst>
+                              <p:cond delay="0"/>
+                            </p:stCondLst>
+                            <p:childTnLst>
+                              <p:par>
+                                <p:cTn id="5" presetID="10" presetClass="entr" presetSubtype="0" fill="hold" nodeType="clickEffect">
+                                  <p:stCondLst>
+                                    <p:cond delay="0"/>
+                                  </p:stCondLst>
+                                  <p:childTnLst>
+                                    <p:set>
+                                      <p:cBhvr>
+                                        <p:cTn id="6" dur="1" fill="hold">
+                                          <p:stCondLst>
+                                            <p:cond delay="0"/>
+                                          </p:stCondLst>
+                                        </p:cTn>
+                                        <p:tgtEl>
+                                          <p:spTgt spid="5"/>
+                                        </p:tgtEl>
+                                        <p:attrNameLst>
+                                          <p:attrName>style.visibility</p:attrName>
+                                        </p:attrNameLst>
+                                      </p:cBhvr>
+                                      <p:to>
+                                        <p:strVal val="visible"/>
+                                      </p:to>
+                                    </p:set>
+                                    <p:animEffect transition="in" filter="fade">
+                                      <p:cBhvr>
+                                        <p:cTn id="7" dur="500"/>
+                                        <p:tgtEl>
+                                          <p:spTgt spid="5"/>
+                                        </p:tgtEl>
+                                      </p:cBhvr>
+                                    </p:animEffect>
+                                  </p:childTnLst>
+                                </p:cTn>
+                              </p:par>
+                            </p:childTnLst>
+                          </p:cTn>
+                        </p:par>
+                      </p:childTnLst>
+                    </p:cTn>
+                  </p:par>
+                  <p:par>
+                    <p:cTn id="8" fill="hold">
+                      <p:stCondLst>
+                        <p:cond delay="indefinite"/>
+                      </p:stCondLst>
+                      <p:childTnLst>
+                        <p:par>
+                          <p:cTn id="9" fill="hold">
+                            <p:stCondLst>
+                              <p:cond delay="0"/>
+                            </p:stCondLst>
+                            <p:childTnLst>
+                              <p:par>
+                                <p:cTn id="10" presetID="10" presetClass="entr" presetSubtype="0" fill="hold" grpId="0" nodeType="clickEffect">
+                                  <p:stCondLst>
+                                    <p:cond delay="0"/>
+                                  </p:stCondLst>
+                                  <p:childTnLst>
+                                    <p:set>
+                                      <p:cBhvr>
+                                        <p:cTn id="11" dur="1" fill="hold">
+                                          <p:stCondLst>
+                                            <p:cond delay="0"/>
+                                          </p:stCondLst>
+                                        </p:cTn>
+                                        <p:tgtEl>
+                                          <p:spTgt spid="6"/>
+                                        </p:tgtEl>
+                                        <p:attrNameLst>
+                                          <p:attrName>style.visibility</p:attrName>
+                                        </p:attrNameLst>
+                                      </p:cBhvr>
+                                      <p:to>
+                                        <p:strVal val="visible"/>
+                                      </p:to>
+                                    </p:set>
+                                    <p:animEffect transition="in" filter="fade">
+                                      <p:cBhvr>
+                                        <p:cTn id="12" dur="500"/>
+                                        <p:tgtEl>
+                                          <p:spTgt spid="6"/>
+                                        </p:tgtEl>
+                                      </p:cBhvr>
+                                    </p:animEffect>
+                                  </p:childTnLst>
+                                </p:cTn>
+                              </p:par>
+                            </p:childTnLst>
+                          </p:cTn>
+                        </p:par>
+                      </p:childTnLst>
+                    </p:cTn>
+                  </p:par>
+                </p:childTnLst>
+              </p:cTn>
+              <p:prevCondLst>
+                <p:cond evt="onPrev" delay="0">
+                  <p:tgtEl>
+                    <p:sldTgt/>
+                  </p:tgtEl>
+                </p:cond>
+              </p:prevCondLst>
+              <p:nextCondLst>
+                <p:cond evt="onNext" delay="0">
+                  <p:tgtEl>
+                    <p:sldTgt/>
+                  </p:tgtEl>
+                </p:cond>
+              </p:nextCondLst>
+            </p:seq>
+          </p:childTnLst>
+        </p:cTn>
+      </p:par>
+    </p:tnLst>
+    <p:bldLst>
+      <p:bldP spid="6" grpId="0"/>
+    </p:bldLst>
+  </p:timing>
 </p:sld>
 </file>
 
@@ -23295,6 +27272,93 @@
             </a:r>
           </a:p>
           <a:p>
+            <a:pPr marL="0" indent="0">
+              <a:buNone/>
+            </a:pPr>
+            <a:endParaRPr lang="en-US" sz="2800" dirty="0"/>
+          </a:p>
+          <a:p>
+            <a:pPr marL="0" indent="0">
+              <a:buNone/>
+            </a:pPr>
+            <a:r>
+              <a:rPr lang="en-US" sz="2800" dirty="0"/>
+              <a:t>Size : </a:t>
+            </a:r>
+            <a:r>
+              <a:rPr lang="en-US" sz="2800" dirty="0">
+                <a:solidFill>
+                  <a:srgbClr val="C00000"/>
+                </a:solidFill>
+              </a:rPr>
+              <a:t>Number of units in the hidden layer </a:t>
+            </a:r>
+            <a:r>
+              <a:rPr lang="en-US" sz="2800" dirty="0"/>
+              <a:t>(Choose 2 from 1 to 5)</a:t>
+            </a:r>
+          </a:p>
+          <a:p>
+            <a:pPr marL="0" indent="0">
+              <a:buNone/>
+            </a:pPr>
+            <a:r>
+              <a:rPr lang="en-US" sz="2800" dirty="0"/>
+              <a:t>Decay : </a:t>
+            </a:r>
+            <a:r>
+              <a:rPr lang="en-US" sz="2800" dirty="0">
+                <a:solidFill>
+                  <a:srgbClr val="C00000"/>
+                </a:solidFill>
+              </a:rPr>
+              <a:t>parameter for weight decay </a:t>
+            </a:r>
+            <a:r>
+              <a:rPr lang="en-US" sz="2800" dirty="0">
+                <a:solidFill>
+                  <a:schemeClr val="tx1">
+                    <a:lumMod val="50000"/>
+                    <a:lumOff val="50000"/>
+                  </a:schemeClr>
+                </a:solidFill>
+              </a:rPr>
+              <a:t>(0.1)</a:t>
+            </a:r>
+          </a:p>
+          <a:p>
+            <a:pPr marL="0" indent="0">
+              <a:buNone/>
+            </a:pPr>
+            <a:r>
+              <a:rPr lang="en-US" sz="2800" dirty="0" err="1"/>
+              <a:t>Maxit</a:t>
+            </a:r>
+            <a:r>
+              <a:rPr lang="en-US" sz="2800" dirty="0"/>
+              <a:t>: </a:t>
+            </a:r>
+            <a:r>
+              <a:rPr lang="en-US" sz="2800" dirty="0">
+                <a:solidFill>
+                  <a:srgbClr val="C00000"/>
+                </a:solidFill>
+              </a:rPr>
+              <a:t>maximum number of iterations </a:t>
+            </a:r>
+            <a:r>
+              <a:rPr lang="en-US" sz="2800" dirty="0">
+                <a:solidFill>
+                  <a:schemeClr val="tx1">
+                    <a:lumMod val="50000"/>
+                    <a:lumOff val="50000"/>
+                  </a:schemeClr>
+                </a:solidFill>
+              </a:rPr>
+              <a:t>(200)</a:t>
+            </a:r>
+          </a:p>
+          <a:p>
             <a:endParaRPr lang="en-US" sz="2400" dirty="0"/>
           </a:p>
           <a:p>
@@ -23348,6 +27412,283 @@
   <p:clrMapOvr>
     <a:masterClrMapping/>
   </p:clrMapOvr>
+  <p:timing>
+    <p:tnLst>
+      <p:par>
+        <p:cTn id="1" dur="indefinite" restart="never" nodeType="tmRoot">
+          <p:childTnLst>
+            <p:seq concurrent="1" nextAc="seek">
+              <p:cTn id="2" dur="indefinite" nodeType="mainSeq">
+                <p:childTnLst>
+                  <p:par>
+                    <p:cTn id="3" fill="hold">
+                      <p:stCondLst>
+                        <p:cond delay="indefinite"/>
+                      </p:stCondLst>
+                      <p:childTnLst>
+                        <p:par>
+                          <p:cTn id="4" fill="hold">
+                            <p:stCondLst>
+                              <p:cond delay="0"/>
+                            </p:stCondLst>
+                            <p:childTnLst>
+                              <p:par>
+                                <p:cTn id="5" presetID="10" presetClass="entr" presetSubtype="0" fill="hold" grpId="0" nodeType="clickEffect">
+                                  <p:stCondLst>
+                                    <p:cond delay="0"/>
+                                  </p:stCondLst>
+                                  <p:childTnLst>
+                                    <p:set>
+                                      <p:cBhvr>
+                                        <p:cTn id="6" dur="1" fill="hold">
+                                          <p:stCondLst>
+                                            <p:cond delay="0"/>
+                                          </p:stCondLst>
+                                        </p:cTn>
+                                        <p:tgtEl>
+                                          <p:spTgt spid="3">
+                                            <p:txEl>
+                                              <p:pRg st="0" end="0"/>
+                                            </p:txEl>
+                                          </p:spTgt>
+                                        </p:tgtEl>
+                                        <p:attrNameLst>
+                                          <p:attrName>style.visibility</p:attrName>
+                                        </p:attrNameLst>
+                                      </p:cBhvr>
+                                      <p:to>
+                                        <p:strVal val="visible"/>
+                                      </p:to>
+                                    </p:set>
+                                    <p:animEffect transition="in" filter="fade">
+                                      <p:cBhvr>
+                                        <p:cTn id="7" dur="500"/>
+                                        <p:tgtEl>
+                                          <p:spTgt spid="3">
+                                            <p:txEl>
+                                              <p:pRg st="0" end="0"/>
+                                            </p:txEl>
+                                          </p:spTgt>
+                                        </p:tgtEl>
+                                      </p:cBhvr>
+                                    </p:animEffect>
+                                  </p:childTnLst>
+                                </p:cTn>
+                              </p:par>
+                            </p:childTnLst>
+                          </p:cTn>
+                        </p:par>
+                      </p:childTnLst>
+                    </p:cTn>
+                  </p:par>
+                  <p:par>
+                    <p:cTn id="8" fill="hold">
+                      <p:stCondLst>
+                        <p:cond delay="indefinite"/>
+                      </p:stCondLst>
+                      <p:childTnLst>
+                        <p:par>
+                          <p:cTn id="9" fill="hold">
+                            <p:stCondLst>
+                              <p:cond delay="0"/>
+                            </p:stCondLst>
+                            <p:childTnLst>
+                              <p:par>
+                                <p:cTn id="10" presetID="10" presetClass="entr" presetSubtype="0" fill="hold" grpId="0" nodeType="clickEffect">
+                                  <p:stCondLst>
+                                    <p:cond delay="0"/>
+                                  </p:stCondLst>
+                                  <p:childTnLst>
+                                    <p:set>
+                                      <p:cBhvr>
+                                        <p:cTn id="11" dur="1" fill="hold">
+                                          <p:stCondLst>
+                                            <p:cond delay="0"/>
+                                          </p:stCondLst>
+                                        </p:cTn>
+                                        <p:tgtEl>
+                                          <p:spTgt spid="3">
+                                            <p:txEl>
+                                              <p:pRg st="2" end="2"/>
+                                            </p:txEl>
+                                          </p:spTgt>
+                                        </p:tgtEl>
+                                        <p:attrNameLst>
+                                          <p:attrName>style.visibility</p:attrName>
+                                        </p:attrNameLst>
+                                      </p:cBhvr>
+                                      <p:to>
+                                        <p:strVal val="visible"/>
+                                      </p:to>
+                                    </p:set>
+                                    <p:animEffect transition="in" filter="fade">
+                                      <p:cBhvr>
+                                        <p:cTn id="12" dur="500"/>
+                                        <p:tgtEl>
+                                          <p:spTgt spid="3">
+                                            <p:txEl>
+                                              <p:pRg st="2" end="2"/>
+                                            </p:txEl>
+                                          </p:spTgt>
+                                        </p:tgtEl>
+                                      </p:cBhvr>
+                                    </p:animEffect>
+                                  </p:childTnLst>
+                                </p:cTn>
+                              </p:par>
+                            </p:childTnLst>
+                          </p:cTn>
+                        </p:par>
+                      </p:childTnLst>
+                    </p:cTn>
+                  </p:par>
+                  <p:par>
+                    <p:cTn id="13" fill="hold">
+                      <p:stCondLst>
+                        <p:cond delay="indefinite"/>
+                      </p:stCondLst>
+                      <p:childTnLst>
+                        <p:par>
+                          <p:cTn id="14" fill="hold">
+                            <p:stCondLst>
+                              <p:cond delay="0"/>
+                            </p:stCondLst>
+                            <p:childTnLst>
+                              <p:par>
+                                <p:cTn id="15" presetID="10" presetClass="entr" presetSubtype="0" fill="hold" grpId="0" nodeType="clickEffect">
+                                  <p:stCondLst>
+                                    <p:cond delay="0"/>
+                                  </p:stCondLst>
+                                  <p:childTnLst>
+                                    <p:set>
+                                      <p:cBhvr>
+                                        <p:cTn id="16" dur="1" fill="hold">
+                                          <p:stCondLst>
+                                            <p:cond delay="0"/>
+                                          </p:stCondLst>
+                                        </p:cTn>
+                                        <p:tgtEl>
+                                          <p:spTgt spid="3">
+                                            <p:txEl>
+                                              <p:pRg st="3" end="3"/>
+                                            </p:txEl>
+                                          </p:spTgt>
+                                        </p:tgtEl>
+                                        <p:attrNameLst>
+                                          <p:attrName>style.visibility</p:attrName>
+                                        </p:attrNameLst>
+                                      </p:cBhvr>
+                                      <p:to>
+                                        <p:strVal val="visible"/>
+                                      </p:to>
+                                    </p:set>
+                                    <p:animEffect transition="in" filter="fade">
+                                      <p:cBhvr>
+                                        <p:cTn id="17" dur="500"/>
+                                        <p:tgtEl>
+                                          <p:spTgt spid="3">
+                                            <p:txEl>
+                                              <p:pRg st="3" end="3"/>
+                                            </p:txEl>
+                                          </p:spTgt>
+                                        </p:tgtEl>
+                                      </p:cBhvr>
+                                    </p:animEffect>
+                                  </p:childTnLst>
+                                </p:cTn>
+                              </p:par>
+                            </p:childTnLst>
+                          </p:cTn>
+                        </p:par>
+                      </p:childTnLst>
+                    </p:cTn>
+                  </p:par>
+                  <p:par>
+                    <p:cTn id="18" fill="hold">
+                      <p:stCondLst>
+                        <p:cond delay="indefinite"/>
+                      </p:stCondLst>
+                      <p:childTnLst>
+                        <p:par>
+                          <p:cTn id="19" fill="hold">
+                            <p:stCondLst>
+                              <p:cond delay="0"/>
+                            </p:stCondLst>
+                            <p:childTnLst>
+                              <p:par>
+                                <p:cTn id="20" presetID="10" presetClass="entr" presetSubtype="0" fill="hold" grpId="0" nodeType="clickEffect">
+                                  <p:stCondLst>
+                                    <p:cond delay="0"/>
+                                  </p:stCondLst>
+                                  <p:childTnLst>
+                                    <p:set>
+                                      <p:cBhvr>
+                                        <p:cTn id="21" dur="1" fill="hold">
+                                          <p:stCondLst>
+                                            <p:cond delay="0"/>
+                                          </p:stCondLst>
+                                        </p:cTn>
+                                        <p:tgtEl>
+                                          <p:spTgt spid="3">
+                                            <p:txEl>
+                                              <p:pRg st="4" end="4"/>
+                                            </p:txEl>
+                                          </p:spTgt>
+                                        </p:tgtEl>
+                                        <p:attrNameLst>
+                                          <p:attrName>style.visibility</p:attrName>
+                                        </p:attrNameLst>
+                                      </p:cBhvr>
+                                      <p:to>
+                                        <p:strVal val="visible"/>
+                                      </p:to>
+                                    </p:set>
+                                    <p:animEffect transition="in" filter="fade">
+                                      <p:cBhvr>
+                                        <p:cTn id="22" dur="500"/>
+                                        <p:tgtEl>
+                                          <p:spTgt spid="3">
+                                            <p:txEl>
+                                              <p:pRg st="4" end="4"/>
+                                            </p:txEl>
+                                          </p:spTgt>
+                                        </p:tgtEl>
+                                      </p:cBhvr>
+                                    </p:animEffect>
+                                  </p:childTnLst>
+                                </p:cTn>
+                              </p:par>
+                            </p:childTnLst>
+                          </p:cTn>
+                        </p:par>
+                      </p:childTnLst>
+                    </p:cTn>
+                  </p:par>
+                </p:childTnLst>
+              </p:cTn>
+              <p:prevCondLst>
+                <p:cond evt="onPrev" delay="0">
+                  <p:tgtEl>
+                    <p:sldTgt/>
+                  </p:tgtEl>
+                </p:cond>
+              </p:prevCondLst>
+              <p:nextCondLst>
+                <p:cond evt="onNext" delay="0">
+                  <p:tgtEl>
+                    <p:sldTgt/>
+                  </p:tgtEl>
+                </p:cond>
+              </p:nextCondLst>
+            </p:seq>
+          </p:childTnLst>
+        </p:cTn>
+      </p:par>
+    </p:tnLst>
+    <p:bldLst>
+      <p:bldP spid="3" grpId="0" build="p"/>
+    </p:bldLst>
+  </p:timing>
 </p:sld>
 </file>
 

--- a/doc/presentation.pptx
+++ b/doc/presentation.pptx
@@ -4,6 +4,9 @@
   <p:sldMasterIdLst>
     <p:sldMasterId id="2147483743" r:id="rId1"/>
   </p:sldMasterIdLst>
+  <p:notesMasterIdLst>
+    <p:notesMasterId r:id="rId20"/>
+  </p:notesMasterIdLst>
   <p:sldIdLst>
     <p:sldId id="256" r:id="rId2"/>
     <p:sldId id="257" r:id="rId3"/>
@@ -153,6 +156,439 @@
     </p:ext>
   </p:extLst>
 </p:presentation>
+</file>
+
+<file path=ppt/notesMasters/notesMaster1.xml><?xml version="1.0" encoding="utf-8"?>
+<p:notesMaster xmlns:a="http://schemas.openxmlformats.org/drawingml/2006/main" xmlns:r="http://schemas.openxmlformats.org/officeDocument/2006/relationships" xmlns:p="http://schemas.openxmlformats.org/presentationml/2006/main">
+  <p:cSld>
+    <p:bg>
+      <p:bgRef idx="1001">
+        <a:schemeClr val="bg1"/>
+      </p:bgRef>
+    </p:bg>
+    <p:spTree>
+      <p:nvGrpSpPr>
+        <p:cNvPr id="1" name=""/>
+        <p:cNvGrpSpPr/>
+        <p:nvPr/>
+      </p:nvGrpSpPr>
+      <p:grpSpPr>
+        <a:xfrm>
+          <a:off x="0" y="0"/>
+          <a:ext cx="0" cy="0"/>
+          <a:chOff x="0" y="0"/>
+          <a:chExt cx="0" cy="0"/>
+        </a:xfrm>
+      </p:grpSpPr>
+      <p:sp>
+        <p:nvSpPr>
+          <p:cNvPr id="2" name="Header Placeholder 1"/>
+          <p:cNvSpPr>
+            <a:spLocks noGrp="1"/>
+          </p:cNvSpPr>
+          <p:nvPr>
+            <p:ph type="hdr" sz="quarter"/>
+          </p:nvPr>
+        </p:nvSpPr>
+        <p:spPr>
+          <a:xfrm>
+            <a:off x="0" y="0"/>
+            <a:ext cx="2971800" cy="458788"/>
+          </a:xfrm>
+          <a:prstGeom prst="rect">
+            <a:avLst/>
+          </a:prstGeom>
+        </p:spPr>
+        <p:txBody>
+          <a:bodyPr vert="horz" lIns="91440" tIns="45720" rIns="91440" bIns="45720" rtlCol="0"/>
+          <a:lstStyle>
+            <a:lvl1pPr algn="l">
+              <a:defRPr sz="1200"/>
+            </a:lvl1pPr>
+          </a:lstStyle>
+          <a:p>
+            <a:endParaRPr lang="en-US"/>
+          </a:p>
+        </p:txBody>
+      </p:sp>
+      <p:sp>
+        <p:nvSpPr>
+          <p:cNvPr id="3" name="Date Placeholder 2"/>
+          <p:cNvSpPr>
+            <a:spLocks noGrp="1"/>
+          </p:cNvSpPr>
+          <p:nvPr>
+            <p:ph type="dt" idx="1"/>
+          </p:nvPr>
+        </p:nvSpPr>
+        <p:spPr>
+          <a:xfrm>
+            <a:off x="3884613" y="0"/>
+            <a:ext cx="2971800" cy="458788"/>
+          </a:xfrm>
+          <a:prstGeom prst="rect">
+            <a:avLst/>
+          </a:prstGeom>
+        </p:spPr>
+        <p:txBody>
+          <a:bodyPr vert="horz" lIns="91440" tIns="45720" rIns="91440" bIns="45720" rtlCol="0"/>
+          <a:lstStyle>
+            <a:lvl1pPr algn="r">
+              <a:defRPr sz="1200"/>
+            </a:lvl1pPr>
+          </a:lstStyle>
+          <a:p>
+            <a:fld id="{74C61226-834F-4838-9D49-AEEF9815EFC9}" type="datetimeFigureOut">
+              <a:rPr lang="en-US" smtClean="0"/>
+              <a:t>4/25/2018</a:t>
+            </a:fld>
+            <a:endParaRPr lang="en-US"/>
+          </a:p>
+        </p:txBody>
+      </p:sp>
+      <p:sp>
+        <p:nvSpPr>
+          <p:cNvPr id="4" name="Slide Image Placeholder 3"/>
+          <p:cNvSpPr>
+            <a:spLocks noGrp="1" noRot="1" noChangeAspect="1"/>
+          </p:cNvSpPr>
+          <p:nvPr>
+            <p:ph type="sldImg" idx="2"/>
+          </p:nvPr>
+        </p:nvSpPr>
+        <p:spPr>
+          <a:xfrm>
+            <a:off x="685800" y="1143000"/>
+            <a:ext cx="5486400" cy="3086100"/>
+          </a:xfrm>
+          <a:prstGeom prst="rect">
+            <a:avLst/>
+          </a:prstGeom>
+          <a:noFill/>
+          <a:ln w="12700">
+            <a:solidFill>
+              <a:prstClr val="black"/>
+            </a:solidFill>
+          </a:ln>
+        </p:spPr>
+        <p:txBody>
+          <a:bodyPr vert="horz" lIns="91440" tIns="45720" rIns="91440" bIns="45720" rtlCol="0" anchor="ctr"/>
+          <a:lstStyle/>
+          <a:p>
+            <a:endParaRPr lang="en-US"/>
+          </a:p>
+        </p:txBody>
+      </p:sp>
+      <p:sp>
+        <p:nvSpPr>
+          <p:cNvPr id="5" name="Notes Placeholder 4"/>
+          <p:cNvSpPr>
+            <a:spLocks noGrp="1"/>
+          </p:cNvSpPr>
+          <p:nvPr>
+            <p:ph type="body" sz="quarter" idx="3"/>
+          </p:nvPr>
+        </p:nvSpPr>
+        <p:spPr>
+          <a:xfrm>
+            <a:off x="685800" y="4400550"/>
+            <a:ext cx="5486400" cy="3600450"/>
+          </a:xfrm>
+          <a:prstGeom prst="rect">
+            <a:avLst/>
+          </a:prstGeom>
+        </p:spPr>
+        <p:txBody>
+          <a:bodyPr vert="horz" lIns="91440" tIns="45720" rIns="91440" bIns="45720" rtlCol="0"/>
+          <a:lstStyle/>
+          <a:p>
+            <a:pPr lvl="0"/>
+            <a:r>
+              <a:rPr lang="en-US"/>
+              <a:t>Edit Master text styles</a:t>
+            </a:r>
+          </a:p>
+          <a:p>
+            <a:pPr lvl="1"/>
+            <a:r>
+              <a:rPr lang="en-US"/>
+              <a:t>Second level</a:t>
+            </a:r>
+          </a:p>
+          <a:p>
+            <a:pPr lvl="2"/>
+            <a:r>
+              <a:rPr lang="en-US"/>
+              <a:t>Third level</a:t>
+            </a:r>
+          </a:p>
+          <a:p>
+            <a:pPr lvl="3"/>
+            <a:r>
+              <a:rPr lang="en-US"/>
+              <a:t>Fourth level</a:t>
+            </a:r>
+          </a:p>
+          <a:p>
+            <a:pPr lvl="4"/>
+            <a:r>
+              <a:rPr lang="en-US"/>
+              <a:t>Fifth level</a:t>
+            </a:r>
+          </a:p>
+        </p:txBody>
+      </p:sp>
+      <p:sp>
+        <p:nvSpPr>
+          <p:cNvPr id="6" name="Footer Placeholder 5"/>
+          <p:cNvSpPr>
+            <a:spLocks noGrp="1"/>
+          </p:cNvSpPr>
+          <p:nvPr>
+            <p:ph type="ftr" sz="quarter" idx="4"/>
+          </p:nvPr>
+        </p:nvSpPr>
+        <p:spPr>
+          <a:xfrm>
+            <a:off x="0" y="8685213"/>
+            <a:ext cx="2971800" cy="458787"/>
+          </a:xfrm>
+          <a:prstGeom prst="rect">
+            <a:avLst/>
+          </a:prstGeom>
+        </p:spPr>
+        <p:txBody>
+          <a:bodyPr vert="horz" lIns="91440" tIns="45720" rIns="91440" bIns="45720" rtlCol="0" anchor="b"/>
+          <a:lstStyle>
+            <a:lvl1pPr algn="l">
+              <a:defRPr sz="1200"/>
+            </a:lvl1pPr>
+          </a:lstStyle>
+          <a:p>
+            <a:endParaRPr lang="en-US"/>
+          </a:p>
+        </p:txBody>
+      </p:sp>
+      <p:sp>
+        <p:nvSpPr>
+          <p:cNvPr id="7" name="Slide Number Placeholder 6"/>
+          <p:cNvSpPr>
+            <a:spLocks noGrp="1"/>
+          </p:cNvSpPr>
+          <p:nvPr>
+            <p:ph type="sldNum" sz="quarter" idx="5"/>
+          </p:nvPr>
+        </p:nvSpPr>
+        <p:spPr>
+          <a:xfrm>
+            <a:off x="3884613" y="8685213"/>
+            <a:ext cx="2971800" cy="458787"/>
+          </a:xfrm>
+          <a:prstGeom prst="rect">
+            <a:avLst/>
+          </a:prstGeom>
+        </p:spPr>
+        <p:txBody>
+          <a:bodyPr vert="horz" lIns="91440" tIns="45720" rIns="91440" bIns="45720" rtlCol="0" anchor="b"/>
+          <a:lstStyle>
+            <a:lvl1pPr algn="r">
+              <a:defRPr sz="1200"/>
+            </a:lvl1pPr>
+          </a:lstStyle>
+          <a:p>
+            <a:fld id="{F85C0844-781A-4961-BB69-48FC7A5118B1}" type="slidenum">
+              <a:rPr lang="en-US" smtClean="0"/>
+              <a:t>‹#›</a:t>
+            </a:fld>
+            <a:endParaRPr lang="en-US"/>
+          </a:p>
+        </p:txBody>
+      </p:sp>
+    </p:spTree>
+    <p:extLst>
+      <p:ext uri="{BB962C8B-B14F-4D97-AF65-F5344CB8AC3E}">
+        <p14:creationId xmlns:p14="http://schemas.microsoft.com/office/powerpoint/2010/main" val="4035404530"/>
+      </p:ext>
+    </p:extLst>
+  </p:cSld>
+  <p:clrMap bg1="lt1" tx1="dk1" bg2="lt2" tx2="dk2" accent1="accent1" accent2="accent2" accent3="accent3" accent4="accent4" accent5="accent5" accent6="accent6" hlink="hlink" folHlink="folHlink"/>
+  <p:notesStyle>
+    <a:lvl1pPr marL="0" algn="l" defTabSz="914400" rtl="0" eaLnBrk="1" latinLnBrk="0" hangingPunct="1">
+      <a:defRPr sz="1200" kern="1200">
+        <a:solidFill>
+          <a:schemeClr val="tx1"/>
+        </a:solidFill>
+        <a:latin typeface="+mn-lt"/>
+        <a:ea typeface="+mn-ea"/>
+        <a:cs typeface="+mn-cs"/>
+      </a:defRPr>
+    </a:lvl1pPr>
+    <a:lvl2pPr marL="457200" algn="l" defTabSz="914400" rtl="0" eaLnBrk="1" latinLnBrk="0" hangingPunct="1">
+      <a:defRPr sz="1200" kern="1200">
+        <a:solidFill>
+          <a:schemeClr val="tx1"/>
+        </a:solidFill>
+        <a:latin typeface="+mn-lt"/>
+        <a:ea typeface="+mn-ea"/>
+        <a:cs typeface="+mn-cs"/>
+      </a:defRPr>
+    </a:lvl2pPr>
+    <a:lvl3pPr marL="914400" algn="l" defTabSz="914400" rtl="0" eaLnBrk="1" latinLnBrk="0" hangingPunct="1">
+      <a:defRPr sz="1200" kern="1200">
+        <a:solidFill>
+          <a:schemeClr val="tx1"/>
+        </a:solidFill>
+        <a:latin typeface="+mn-lt"/>
+        <a:ea typeface="+mn-ea"/>
+        <a:cs typeface="+mn-cs"/>
+      </a:defRPr>
+    </a:lvl3pPr>
+    <a:lvl4pPr marL="1371600" algn="l" defTabSz="914400" rtl="0" eaLnBrk="1" latinLnBrk="0" hangingPunct="1">
+      <a:defRPr sz="1200" kern="1200">
+        <a:solidFill>
+          <a:schemeClr val="tx1"/>
+        </a:solidFill>
+        <a:latin typeface="+mn-lt"/>
+        <a:ea typeface="+mn-ea"/>
+        <a:cs typeface="+mn-cs"/>
+      </a:defRPr>
+    </a:lvl4pPr>
+    <a:lvl5pPr marL="1828800" algn="l" defTabSz="914400" rtl="0" eaLnBrk="1" latinLnBrk="0" hangingPunct="1">
+      <a:defRPr sz="1200" kern="1200">
+        <a:solidFill>
+          <a:schemeClr val="tx1"/>
+        </a:solidFill>
+        <a:latin typeface="+mn-lt"/>
+        <a:ea typeface="+mn-ea"/>
+        <a:cs typeface="+mn-cs"/>
+      </a:defRPr>
+    </a:lvl5pPr>
+    <a:lvl6pPr marL="2286000" algn="l" defTabSz="914400" rtl="0" eaLnBrk="1" latinLnBrk="0" hangingPunct="1">
+      <a:defRPr sz="1200" kern="1200">
+        <a:solidFill>
+          <a:schemeClr val="tx1"/>
+        </a:solidFill>
+        <a:latin typeface="+mn-lt"/>
+        <a:ea typeface="+mn-ea"/>
+        <a:cs typeface="+mn-cs"/>
+      </a:defRPr>
+    </a:lvl6pPr>
+    <a:lvl7pPr marL="2743200" algn="l" defTabSz="914400" rtl="0" eaLnBrk="1" latinLnBrk="0" hangingPunct="1">
+      <a:defRPr sz="1200" kern="1200">
+        <a:solidFill>
+          <a:schemeClr val="tx1"/>
+        </a:solidFill>
+        <a:latin typeface="+mn-lt"/>
+        <a:ea typeface="+mn-ea"/>
+        <a:cs typeface="+mn-cs"/>
+      </a:defRPr>
+    </a:lvl7pPr>
+    <a:lvl8pPr marL="3200400" algn="l" defTabSz="914400" rtl="0" eaLnBrk="1" latinLnBrk="0" hangingPunct="1">
+      <a:defRPr sz="1200" kern="1200">
+        <a:solidFill>
+          <a:schemeClr val="tx1"/>
+        </a:solidFill>
+        <a:latin typeface="+mn-lt"/>
+        <a:ea typeface="+mn-ea"/>
+        <a:cs typeface="+mn-cs"/>
+      </a:defRPr>
+    </a:lvl8pPr>
+    <a:lvl9pPr marL="3657600" algn="l" defTabSz="914400" rtl="0" eaLnBrk="1" latinLnBrk="0" hangingPunct="1">
+      <a:defRPr sz="1200" kern="1200">
+        <a:solidFill>
+          <a:schemeClr val="tx1"/>
+        </a:solidFill>
+        <a:latin typeface="+mn-lt"/>
+        <a:ea typeface="+mn-ea"/>
+        <a:cs typeface="+mn-cs"/>
+      </a:defRPr>
+    </a:lvl9pPr>
+  </p:notesStyle>
+</p:notesMaster>
+</file>
+
+<file path=ppt/notesSlides/notesSlide1.xml><?xml version="1.0" encoding="utf-8"?>
+<p:notes xmlns:a="http://schemas.openxmlformats.org/drawingml/2006/main" xmlns:r="http://schemas.openxmlformats.org/officeDocument/2006/relationships" xmlns:p="http://schemas.openxmlformats.org/presentationml/2006/main">
+  <p:cSld>
+    <p:spTree>
+      <p:nvGrpSpPr>
+        <p:cNvPr id="1" name=""/>
+        <p:cNvGrpSpPr/>
+        <p:nvPr/>
+      </p:nvGrpSpPr>
+      <p:grpSpPr>
+        <a:xfrm>
+          <a:off x="0" y="0"/>
+          <a:ext cx="0" cy="0"/>
+          <a:chOff x="0" y="0"/>
+          <a:chExt cx="0" cy="0"/>
+        </a:xfrm>
+      </p:grpSpPr>
+      <p:sp>
+        <p:nvSpPr>
+          <p:cNvPr id="2" name="Slide Image Placeholder 1"/>
+          <p:cNvSpPr>
+            <a:spLocks noGrp="1" noRot="1" noChangeAspect="1"/>
+          </p:cNvSpPr>
+          <p:nvPr>
+            <p:ph type="sldImg"/>
+          </p:nvPr>
+        </p:nvSpPr>
+        <p:spPr/>
+      </p:sp>
+      <p:sp>
+        <p:nvSpPr>
+          <p:cNvPr id="3" name="Notes Placeholder 2"/>
+          <p:cNvSpPr>
+            <a:spLocks noGrp="1"/>
+          </p:cNvSpPr>
+          <p:nvPr>
+            <p:ph type="body" idx="1"/>
+          </p:nvPr>
+        </p:nvSpPr>
+        <p:spPr/>
+        <p:txBody>
+          <a:bodyPr/>
+          <a:lstStyle/>
+          <a:p>
+            <a:endParaRPr lang="en-US"/>
+          </a:p>
+        </p:txBody>
+      </p:sp>
+      <p:sp>
+        <p:nvSpPr>
+          <p:cNvPr id="4" name="Slide Number Placeholder 3"/>
+          <p:cNvSpPr>
+            <a:spLocks noGrp="1"/>
+          </p:cNvSpPr>
+          <p:nvPr>
+            <p:ph type="sldNum" sz="quarter" idx="10"/>
+          </p:nvPr>
+        </p:nvSpPr>
+        <p:spPr/>
+        <p:txBody>
+          <a:bodyPr/>
+          <a:lstStyle/>
+          <a:p>
+            <a:fld id="{F85C0844-781A-4961-BB69-48FC7A5118B1}" type="slidenum">
+              <a:rPr lang="en-US" smtClean="0"/>
+              <a:t>10</a:t>
+            </a:fld>
+            <a:endParaRPr lang="en-US"/>
+          </a:p>
+        </p:txBody>
+      </p:sp>
+    </p:spTree>
+    <p:extLst>
+      <p:ext uri="{BB962C8B-B14F-4D97-AF65-F5344CB8AC3E}">
+        <p14:creationId xmlns:p14="http://schemas.microsoft.com/office/powerpoint/2010/main" val="1925432817"/>
+      </p:ext>
+    </p:extLst>
+  </p:cSld>
+  <p:clrMapOvr>
+    <a:masterClrMapping/>
+  </p:clrMapOvr>
+</p:notes>
 </file>
 
 <file path=ppt/slideLayouts/slideLayout1.xml><?xml version="1.0" encoding="utf-8"?>
@@ -7178,7 +7614,7 @@
             <p:ph idx="1"/>
             <p:extLst>
               <p:ext uri="{D42A27DB-BD31-4B8C-83A1-F6EECF244321}">
-                <p14:modId xmlns:p14="http://schemas.microsoft.com/office/powerpoint/2010/main" val="1604869006"/>
+                <p14:modId xmlns:p14="http://schemas.microsoft.com/office/powerpoint/2010/main" val="1820216227"/>
               </p:ext>
             </p:extLst>
           </p:nvPr>
@@ -7422,7 +7858,23 @@
                             <a:srgbClr val="C00000"/>
                           </a:solidFill>
                         </a:rPr>
-                        <a:t>0.05s</a:t>
+                        <a:t>0.0</a:t>
+                      </a:r>
+                      <a:r>
+                        <a:rPr lang="en-US" altLang="zh-CN" dirty="0">
+                          <a:solidFill>
+                            <a:srgbClr val="C00000"/>
+                          </a:solidFill>
+                        </a:rPr>
+                        <a:t>5</a:t>
+                      </a:r>
+                      <a:r>
+                        <a:rPr lang="en-US" dirty="0">
+                          <a:solidFill>
+                            <a:srgbClr val="C00000"/>
+                          </a:solidFill>
+                        </a:rPr>
+                        <a:t>s</a:t>
                       </a:r>
                     </a:p>
                   </a:txBody>
@@ -27950,4 +28402,299 @@
     </a:ext>
   </a:extLst>
 </a:theme>
+</file>
+
+<file path=ppt/theme/theme2.xml><?xml version="1.0" encoding="utf-8"?>
+<a:theme xmlns:a="http://schemas.openxmlformats.org/drawingml/2006/main" name="Office Theme">
+  <a:themeElements>
+    <a:clrScheme name="Office">
+      <a:dk1>
+        <a:sysClr val="windowText" lastClr="000000"/>
+      </a:dk1>
+      <a:lt1>
+        <a:sysClr val="window" lastClr="FFFFFF"/>
+      </a:lt1>
+      <a:dk2>
+        <a:srgbClr val="44546A"/>
+      </a:dk2>
+      <a:lt2>
+        <a:srgbClr val="E7E6E6"/>
+      </a:lt2>
+      <a:accent1>
+        <a:srgbClr val="4472C4"/>
+      </a:accent1>
+      <a:accent2>
+        <a:srgbClr val="ED7D31"/>
+      </a:accent2>
+      <a:accent3>
+        <a:srgbClr val="A5A5A5"/>
+      </a:accent3>
+      <a:accent4>
+        <a:srgbClr val="FFC000"/>
+      </a:accent4>
+      <a:accent5>
+        <a:srgbClr val="5B9BD5"/>
+      </a:accent5>
+      <a:accent6>
+        <a:srgbClr val="70AD47"/>
+      </a:accent6>
+      <a:hlink>
+        <a:srgbClr val="0563C1"/>
+      </a:hlink>
+      <a:folHlink>
+        <a:srgbClr val="954F72"/>
+      </a:folHlink>
+    </a:clrScheme>
+    <a:fontScheme name="Office">
+      <a:majorFont>
+        <a:latin typeface="Calibri Light" panose="020F0302020204030204"/>
+        <a:ea typeface=""/>
+        <a:cs typeface=""/>
+        <a:font script="Jpan" typeface="游ゴシック Light"/>
+        <a:font script="Hang" typeface="맑은 고딕"/>
+        <a:font script="Hans" typeface="等线 Light"/>
+        <a:font script="Hant" typeface="新細明體"/>
+        <a:font script="Arab" typeface="Times New Roman"/>
+        <a:font script="Hebr" typeface="Times New Roman"/>
+        <a:font script="Thai" typeface="Angsana New"/>
+        <a:font script="Ethi" typeface="Nyala"/>
+        <a:font script="Beng" typeface="Vrinda"/>
+        <a:font script="Gujr" typeface="Shruti"/>
+        <a:font script="Khmr" typeface="MoolBoran"/>
+        <a:font script="Knda" typeface="Tunga"/>
+        <a:font script="Guru" typeface="Raavi"/>
+        <a:font script="Cans" typeface="Euphemia"/>
+        <a:font script="Cher" typeface="Plantagenet Cherokee"/>
+        <a:font script="Yiii" typeface="Microsoft Yi Baiti"/>
+        <a:font script="Tibt" typeface="Microsoft Himalaya"/>
+        <a:font script="Thaa" typeface="MV Boli"/>
+        <a:font script="Deva" typeface="Mangal"/>
+        <a:font script="Telu" typeface="Gautami"/>
+        <a:font script="Taml" typeface="Latha"/>
+        <a:font script="Syrc" typeface="Estrangelo Edessa"/>
+        <a:font script="Orya" typeface="Kalinga"/>
+        <a:font script="Mlym" typeface="Kartika"/>
+        <a:font script="Laoo" typeface="DokChampa"/>
+        <a:font script="Sinh" typeface="Iskoola Pota"/>
+        <a:font script="Mong" typeface="Mongolian Baiti"/>
+        <a:font script="Viet" typeface="Times New Roman"/>
+        <a:font script="Uigh" typeface="Microsoft Uighur"/>
+        <a:font script="Geor" typeface="Sylfaen"/>
+        <a:font script="Armn" typeface="Arial"/>
+        <a:font script="Bugi" typeface="Leelawadee UI"/>
+        <a:font script="Bopo" typeface="Microsoft JhengHei"/>
+        <a:font script="Java" typeface="Javanese Text"/>
+        <a:font script="Lisu" typeface="Segoe UI"/>
+        <a:font script="Mymr" typeface="Myanmar Text"/>
+        <a:font script="Nkoo" typeface="Ebrima"/>
+        <a:font script="Olck" typeface="Nirmala UI"/>
+        <a:font script="Osma" typeface="Ebrima"/>
+        <a:font script="Phag" typeface="Phagspa"/>
+        <a:font script="Syrn" typeface="Estrangelo Edessa"/>
+        <a:font script="Syrj" typeface="Estrangelo Edessa"/>
+        <a:font script="Syre" typeface="Estrangelo Edessa"/>
+        <a:font script="Sora" typeface="Nirmala UI"/>
+        <a:font script="Tale" typeface="Microsoft Tai Le"/>
+        <a:font script="Talu" typeface="Microsoft New Tai Lue"/>
+        <a:font script="Tfng" typeface="Ebrima"/>
+      </a:majorFont>
+      <a:minorFont>
+        <a:latin typeface="Calibri" panose="020F0502020204030204"/>
+        <a:ea typeface=""/>
+        <a:cs typeface=""/>
+        <a:font script="Jpan" typeface="游ゴシック"/>
+        <a:font script="Hang" typeface="맑은 고딕"/>
+        <a:font script="Hans" typeface="等线"/>
+        <a:font script="Hant" typeface="新細明體"/>
+        <a:font script="Arab" typeface="Arial"/>
+        <a:font script="Hebr" typeface="Arial"/>
+        <a:font script="Thai" typeface="Cordia New"/>
+        <a:font script="Ethi" typeface="Nyala"/>
+        <a:font script="Beng" typeface="Vrinda"/>
+        <a:font script="Gujr" typeface="Shruti"/>
+        <a:font script="Khmr" typeface="DaunPenh"/>
+        <a:font script="Knda" typeface="Tunga"/>
+        <a:font script="Guru" typeface="Raavi"/>
+        <a:font script="Cans" typeface="Euphemia"/>
+        <a:font script="Cher" typeface="Plantagenet Cherokee"/>
+        <a:font script="Yiii" typeface="Microsoft Yi Baiti"/>
+        <a:font script="Tibt" typeface="Microsoft Himalaya"/>
+        <a:font script="Thaa" typeface="MV Boli"/>
+        <a:font script="Deva" typeface="Mangal"/>
+        <a:font script="Telu" typeface="Gautami"/>
+        <a:font script="Taml" typeface="Latha"/>
+        <a:font script="Syrc" typeface="Estrangelo Edessa"/>
+        <a:font script="Orya" typeface="Kalinga"/>
+        <a:font script="Mlym" typeface="Kartika"/>
+        <a:font script="Laoo" typeface="DokChampa"/>
+        <a:font script="Sinh" typeface="Iskoola Pota"/>
+        <a:font script="Mong" typeface="Mongolian Baiti"/>
+        <a:font script="Viet" typeface="Arial"/>
+        <a:font script="Uigh" typeface="Microsoft Uighur"/>
+        <a:font script="Geor" typeface="Sylfaen"/>
+        <a:font script="Armn" typeface="Arial"/>
+        <a:font script="Bugi" typeface="Leelawadee UI"/>
+        <a:font script="Bopo" typeface="Microsoft JhengHei"/>
+        <a:font script="Java" typeface="Javanese Text"/>
+        <a:font script="Lisu" typeface="Segoe UI"/>
+        <a:font script="Mymr" typeface="Myanmar Text"/>
+        <a:font script="Nkoo" typeface="Ebrima"/>
+        <a:font script="Olck" typeface="Nirmala UI"/>
+        <a:font script="Osma" typeface="Ebrima"/>
+        <a:font script="Phag" typeface="Phagspa"/>
+        <a:font script="Syrn" typeface="Estrangelo Edessa"/>
+        <a:font script="Syrj" typeface="Estrangelo Edessa"/>
+        <a:font script="Syre" typeface="Estrangelo Edessa"/>
+        <a:font script="Sora" typeface="Nirmala UI"/>
+        <a:font script="Tale" typeface="Microsoft Tai Le"/>
+        <a:font script="Talu" typeface="Microsoft New Tai Lue"/>
+        <a:font script="Tfng" typeface="Ebrima"/>
+      </a:minorFont>
+    </a:fontScheme>
+    <a:fmtScheme name="Office">
+      <a:fillStyleLst>
+        <a:solidFill>
+          <a:schemeClr val="phClr"/>
+        </a:solidFill>
+        <a:gradFill rotWithShape="1">
+          <a:gsLst>
+            <a:gs pos="0">
+              <a:schemeClr val="phClr">
+                <a:lumMod val="110000"/>
+                <a:satMod val="105000"/>
+                <a:tint val="67000"/>
+              </a:schemeClr>
+            </a:gs>
+            <a:gs pos="50000">
+              <a:schemeClr val="phClr">
+                <a:lumMod val="105000"/>
+                <a:satMod val="103000"/>
+                <a:tint val="73000"/>
+              </a:schemeClr>
+            </a:gs>
+            <a:gs pos="100000">
+              <a:schemeClr val="phClr">
+                <a:lumMod val="105000"/>
+                <a:satMod val="109000"/>
+                <a:tint val="81000"/>
+              </a:schemeClr>
+            </a:gs>
+          </a:gsLst>
+          <a:lin ang="5400000" scaled="0"/>
+        </a:gradFill>
+        <a:gradFill rotWithShape="1">
+          <a:gsLst>
+            <a:gs pos="0">
+              <a:schemeClr val="phClr">
+                <a:satMod val="103000"/>
+                <a:lumMod val="102000"/>
+                <a:tint val="94000"/>
+              </a:schemeClr>
+            </a:gs>
+            <a:gs pos="50000">
+              <a:schemeClr val="phClr">
+                <a:satMod val="110000"/>
+                <a:lumMod val="100000"/>
+                <a:shade val="100000"/>
+              </a:schemeClr>
+            </a:gs>
+            <a:gs pos="100000">
+              <a:schemeClr val="phClr">
+                <a:lumMod val="99000"/>
+                <a:satMod val="120000"/>
+                <a:shade val="78000"/>
+              </a:schemeClr>
+            </a:gs>
+          </a:gsLst>
+          <a:lin ang="5400000" scaled="0"/>
+        </a:gradFill>
+      </a:fillStyleLst>
+      <a:lnStyleLst>
+        <a:ln w="6350" cap="flat" cmpd="sng" algn="ctr">
+          <a:solidFill>
+            <a:schemeClr val="phClr"/>
+          </a:solidFill>
+          <a:prstDash val="solid"/>
+          <a:miter lim="800000"/>
+        </a:ln>
+        <a:ln w="12700" cap="flat" cmpd="sng" algn="ctr">
+          <a:solidFill>
+            <a:schemeClr val="phClr"/>
+          </a:solidFill>
+          <a:prstDash val="solid"/>
+          <a:miter lim="800000"/>
+        </a:ln>
+        <a:ln w="19050" cap="flat" cmpd="sng" algn="ctr">
+          <a:solidFill>
+            <a:schemeClr val="phClr"/>
+          </a:solidFill>
+          <a:prstDash val="solid"/>
+          <a:miter lim="800000"/>
+        </a:ln>
+      </a:lnStyleLst>
+      <a:effectStyleLst>
+        <a:effectStyle>
+          <a:effectLst/>
+        </a:effectStyle>
+        <a:effectStyle>
+          <a:effectLst/>
+        </a:effectStyle>
+        <a:effectStyle>
+          <a:effectLst>
+            <a:outerShdw blurRad="57150" dist="19050" dir="5400000" algn="ctr" rotWithShape="0">
+              <a:srgbClr val="000000">
+                <a:alpha val="63000"/>
+              </a:srgbClr>
+            </a:outerShdw>
+          </a:effectLst>
+        </a:effectStyle>
+      </a:effectStyleLst>
+      <a:bgFillStyleLst>
+        <a:solidFill>
+          <a:schemeClr val="phClr"/>
+        </a:solidFill>
+        <a:solidFill>
+          <a:schemeClr val="phClr">
+            <a:tint val="95000"/>
+            <a:satMod val="170000"/>
+          </a:schemeClr>
+        </a:solidFill>
+        <a:gradFill rotWithShape="1">
+          <a:gsLst>
+            <a:gs pos="0">
+              <a:schemeClr val="phClr">
+                <a:tint val="93000"/>
+                <a:satMod val="150000"/>
+                <a:shade val="98000"/>
+                <a:lumMod val="102000"/>
+              </a:schemeClr>
+            </a:gs>
+            <a:gs pos="50000">
+              <a:schemeClr val="phClr">
+                <a:tint val="98000"/>
+                <a:satMod val="130000"/>
+                <a:shade val="90000"/>
+                <a:lumMod val="103000"/>
+              </a:schemeClr>
+            </a:gs>
+            <a:gs pos="100000">
+              <a:schemeClr val="phClr">
+                <a:shade val="63000"/>
+                <a:satMod val="120000"/>
+              </a:schemeClr>
+            </a:gs>
+          </a:gsLst>
+          <a:lin ang="5400000" scaled="0"/>
+        </a:gradFill>
+      </a:bgFillStyleLst>
+    </a:fmtScheme>
+  </a:themeElements>
+  <a:objectDefaults/>
+  <a:extraClrSchemeLst/>
+  <a:extLst>
+    <a:ext uri="{05A4C25C-085E-4340-85A3-A5531E510DB2}">
+      <thm15:themeFamily xmlns:thm15="http://schemas.microsoft.com/office/thememl/2012/main" name="Office Theme" id="{62F939B6-93AF-4DB8-9C6B-D6C7DFDC589F}" vid="{4A3C46E8-61CC-4603-A589-7422A47A8E4A}"/>
+    </a:ext>
+  </a:extLst>
+</a:theme>
 </file>
--- a/doc/presentation.pptx
+++ b/doc/presentation.pptx
@@ -23084,6 +23084,40 @@
           </a:prstGeom>
         </p:spPr>
       </p:pic>
+      <p:sp>
+        <p:nvSpPr>
+          <p:cNvPr id="3" name="Rectangle 2">
+            <a:extLst>
+              <a:ext uri="{FF2B5EF4-FFF2-40B4-BE49-F238E27FC236}">
+                <a16:creationId xmlns:a16="http://schemas.microsoft.com/office/drawing/2014/main" id="{30F3DB19-5148-4739-8324-3FEA6E3077E0}"/>
+              </a:ext>
+            </a:extLst>
+          </p:cNvPr>
+          <p:cNvSpPr/>
+          <p:nvPr/>
+        </p:nvSpPr>
+        <p:spPr>
+          <a:xfrm>
+            <a:off x="6261226" y="6288430"/>
+            <a:ext cx="5204951" cy="369332"/>
+          </a:xfrm>
+          <a:prstGeom prst="rect">
+            <a:avLst/>
+          </a:prstGeom>
+        </p:spPr>
+        <p:txBody>
+          <a:bodyPr wrap="none">
+            <a:spAutoFit/>
+          </a:bodyPr>
+          <a:lstStyle/>
+          <a:p>
+            <a:r>
+              <a:rPr lang="en-US" dirty="0"/>
+              <a:t>https://lanceyjtcolumbia.shinyapps.io/default_payment/</a:t>
+            </a:r>
+          </a:p>
+        </p:txBody>
+      </p:sp>
     </p:spTree>
     <p:extLst>
       <p:ext uri="{BB962C8B-B14F-4D97-AF65-F5344CB8AC3E}">
@@ -23213,7 +23247,12 @@
             <p:ph type="title"/>
           </p:nvPr>
         </p:nvSpPr>
-        <p:spPr/>
+        <p:spPr>
+          <a:xfrm>
+            <a:off x="1251678" y="352567"/>
+            <a:ext cx="10178322" cy="1492132"/>
+          </a:xfrm>
+        </p:spPr>
         <p:txBody>
           <a:bodyPr/>
           <a:lstStyle/>
@@ -23269,7 +23308,9 @@
             </a:r>
           </a:p>
           <a:p>
-            <a:endParaRPr lang="en-US" sz="2800" dirty="0"/>
+            <a:endParaRPr lang="en-US" sz="2800" dirty="0">
+              <a:latin typeface="Giqll Sans MT (Body)"/>
+            </a:endParaRPr>
           </a:p>
           <a:p>
             <a:pPr marL="0" indent="0">
@@ -24144,13 +24185,13 @@
         </p:nvSpPr>
         <p:spPr>
           <a:xfrm>
-            <a:off x="1130908" y="1664899"/>
-            <a:ext cx="10178322" cy="4189614"/>
+            <a:off x="1130908" y="1664898"/>
+            <a:ext cx="10178322" cy="4626571"/>
           </a:xfrm>
         </p:spPr>
         <p:txBody>
           <a:bodyPr>
-            <a:normAutofit/>
+            <a:normAutofit lnSpcReduction="10000"/>
           </a:bodyPr>
           <a:lstStyle/>
           <a:p>
@@ -24188,7 +24229,15 @@
             </a:pPr>
             <a:r>
               <a:rPr lang="en-US" sz="2800" dirty="0"/>
-              <a:t>    We aimed at the case of customers’ default payments and compares the predictive accuracy among different algorithms.</a:t>
+              <a:t>    We aimed at </a:t>
+            </a:r>
+            <a:r>
+              <a:rPr lang="en-US" altLang="zh-CN" sz="2800" dirty="0"/>
+              <a:t>predicting </a:t>
+            </a:r>
+            <a:r>
+              <a:rPr lang="en-US" sz="2800" dirty="0"/>
+              <a:t>customers’ default payments status next month and compares the predictive accuracy among different algorithms.</a:t>
             </a:r>
           </a:p>
           <a:p>
